--- a/Slides/Wk9Day1-GeolocationOverview.pptx
+++ b/Slides/Wk9Day1-GeolocationOverview.pptx
@@ -236,7 +236,7 @@
           <a:p>
             <a:fld id="{59B6F58A-1DC9-9140-A6F1-5CAF629CE03F}" type="datetimeFigureOut">
               <a:rPr lang="en-US" smtClean="0"/>
-              <a:t>6/7/17</a:t>
+              <a:t>2/26/18</a:t>
             </a:fld>
             <a:endParaRPr lang="en-US"/>
           </a:p>
@@ -300,38 +300,37 @@
           <a:p>
             <a:pPr lvl="0"/>
             <a:r>
-              <a:rPr lang="en-US" smtClean="0"/>
+              <a:rPr lang="en-US"/>
               <a:t>Click to edit Master text styles</a:t>
             </a:r>
           </a:p>
           <a:p>
             <a:pPr lvl="1"/>
             <a:r>
-              <a:rPr lang="en-US" smtClean="0"/>
+              <a:rPr lang="en-US"/>
               <a:t>Second level</a:t>
             </a:r>
           </a:p>
           <a:p>
             <a:pPr lvl="2"/>
             <a:r>
-              <a:rPr lang="en-US" smtClean="0"/>
+              <a:rPr lang="en-US"/>
               <a:t>Third level</a:t>
             </a:r>
           </a:p>
           <a:p>
             <a:pPr lvl="3"/>
             <a:r>
-              <a:rPr lang="en-US" smtClean="0"/>
+              <a:rPr lang="en-US"/>
               <a:t>Fourth level</a:t>
             </a:r>
           </a:p>
           <a:p>
             <a:pPr lvl="4"/>
             <a:r>
-              <a:rPr lang="en-US" smtClean="0"/>
+              <a:rPr lang="en-US"/>
               <a:t>Fifth level</a:t>
             </a:r>
-            <a:endParaRPr lang="en-US"/>
           </a:p>
         </p:txBody>
       </p:sp>
@@ -548,7 +547,7 @@
           <a:bodyPr/>
           <a:lstStyle/>
           <a:p>
-            <a:endParaRPr lang="en-US" baseline="0" dirty="0" smtClean="0"/>
+            <a:endParaRPr lang="en-US" baseline="0" dirty="0"/>
           </a:p>
         </p:txBody>
       </p:sp>
@@ -633,26 +632,26 @@
           <a:lstStyle/>
           <a:p>
             <a:r>
-              <a:rPr lang="en-US" dirty="0" smtClean="0"/>
+              <a:rPr lang="en-US" dirty="0"/>
               <a:t>Tutorial:</a:t>
             </a:r>
             <a:r>
-              <a:rPr lang="en-US" baseline="0" dirty="0" smtClean="0"/>
+              <a:rPr lang="en-US" baseline="0" dirty="0"/>
               <a:t> https://</a:t>
             </a:r>
             <a:r>
-              <a:rPr lang="en-US" baseline="0" dirty="0" err="1" smtClean="0"/>
+              <a:rPr lang="en-US" baseline="0" dirty="0" err="1"/>
               <a:t>developer.android.com</a:t>
             </a:r>
             <a:r>
-              <a:rPr lang="en-US" baseline="0" dirty="0" smtClean="0"/>
+              <a:rPr lang="en-US" baseline="0" dirty="0"/>
               <a:t>/training/location/</a:t>
             </a:r>
             <a:r>
-              <a:rPr lang="en-US" baseline="0" dirty="0" err="1" smtClean="0"/>
+              <a:rPr lang="en-US" baseline="0" dirty="0" err="1"/>
               <a:t>index.html</a:t>
             </a:r>
-            <a:endParaRPr lang="en-US" baseline="0" dirty="0" smtClean="0"/>
+            <a:endParaRPr lang="en-US" baseline="0" dirty="0"/>
           </a:p>
         </p:txBody>
       </p:sp>
@@ -737,19 +736,19 @@
           <a:lstStyle/>
           <a:p>
             <a:r>
-              <a:rPr lang="en-US" dirty="0" smtClean="0"/>
+              <a:rPr lang="en-US" dirty="0"/>
               <a:t>https://</a:t>
             </a:r>
             <a:r>
-              <a:rPr lang="en-US" dirty="0" err="1" smtClean="0"/>
+              <a:rPr lang="en-US" dirty="0" err="1"/>
               <a:t>developer.android.com</a:t>
             </a:r>
             <a:r>
-              <a:rPr lang="en-US" dirty="0" smtClean="0"/>
+              <a:rPr lang="en-US" dirty="0"/>
               <a:t>/guide/topics/location/</a:t>
             </a:r>
             <a:r>
-              <a:rPr lang="en-US" dirty="0" err="1" smtClean="0"/>
+              <a:rPr lang="en-US" dirty="0" err="1"/>
               <a:t>strategies.html</a:t>
             </a:r>
             <a:endParaRPr lang="en-US" dirty="0"/>
@@ -837,35 +836,35 @@
           <a:lstStyle/>
           <a:p>
             <a:r>
-              <a:rPr lang="en-US" dirty="0" smtClean="0"/>
+              <a:rPr lang="en-US" dirty="0"/>
               <a:t>Xamarin tutorial on the first</a:t>
             </a:r>
             <a:r>
-              <a:rPr lang="en-US" baseline="0" dirty="0" smtClean="0"/>
+              <a:rPr lang="en-US" baseline="0" dirty="0"/>
               <a:t> two APIs listed above: https://</a:t>
             </a:r>
             <a:r>
-              <a:rPr lang="en-US" baseline="0" dirty="0" err="1" smtClean="0"/>
+              <a:rPr lang="en-US" baseline="0" dirty="0" err="1"/>
               <a:t>developer.xamarin.com</a:t>
             </a:r>
             <a:r>
-              <a:rPr lang="en-US" baseline="0" dirty="0" smtClean="0"/>
+              <a:rPr lang="en-US" baseline="0" dirty="0"/>
               <a:t>/guides/android/</a:t>
             </a:r>
             <a:r>
-              <a:rPr lang="en-US" baseline="0" dirty="0" err="1" smtClean="0"/>
+              <a:rPr lang="en-US" baseline="0" dirty="0" err="1"/>
               <a:t>platform_features</a:t>
             </a:r>
             <a:r>
-              <a:rPr lang="en-US" baseline="0" dirty="0" smtClean="0"/>
+              <a:rPr lang="en-US" baseline="0" dirty="0"/>
               <a:t>/</a:t>
             </a:r>
             <a:r>
-              <a:rPr lang="en-US" baseline="0" dirty="0" err="1" smtClean="0"/>
+              <a:rPr lang="en-US" baseline="0" dirty="0" err="1"/>
               <a:t>maps_and_location</a:t>
             </a:r>
             <a:r>
-              <a:rPr lang="en-US" baseline="0" dirty="0" smtClean="0"/>
+              <a:rPr lang="en-US" baseline="0" dirty="0"/>
               <a:t>/location/</a:t>
             </a:r>
             <a:endParaRPr lang="en-US" dirty="0"/>
@@ -1054,19 +1053,19 @@
           <a:lstStyle/>
           <a:p>
             <a:r>
-              <a:rPr lang="en-US" dirty="0" smtClean="0"/>
+              <a:rPr lang="en-US" dirty="0"/>
               <a:t>https://</a:t>
             </a:r>
             <a:r>
-              <a:rPr lang="en-US" dirty="0" err="1" smtClean="0"/>
+              <a:rPr lang="en-US" dirty="0" err="1"/>
               <a:t>developer.android.com</a:t>
             </a:r>
             <a:r>
-              <a:rPr lang="en-US" dirty="0" smtClean="0"/>
+              <a:rPr lang="en-US" dirty="0"/>
               <a:t>/training/location/retrieve-</a:t>
             </a:r>
             <a:r>
-              <a:rPr lang="en-US" dirty="0" err="1" smtClean="0"/>
+              <a:rPr lang="en-US" dirty="0" err="1"/>
               <a:t>current.html</a:t>
             </a:r>
             <a:endParaRPr lang="en-US" dirty="0"/>
@@ -1151,7 +1150,7 @@
           </a:lstStyle>
           <a:p>
             <a:r>
-              <a:rPr lang="en-US" smtClean="0"/>
+              <a:rPr lang="en-US"/>
               <a:t>Click to edit Master title style</a:t>
             </a:r>
             <a:endParaRPr lang="en-US" dirty="0"/>
@@ -1270,7 +1269,7 @@
           </a:lstStyle>
           <a:p>
             <a:r>
-              <a:rPr lang="en-US" smtClean="0"/>
+              <a:rPr lang="en-US"/>
               <a:t>Click to edit Master subtitle style</a:t>
             </a:r>
             <a:endParaRPr lang="en-US" dirty="0"/>
@@ -1294,7 +1293,7 @@
           <a:p>
             <a:fld id="{7CE38E4D-051A-41E1-86A4-E56916468FD0}" type="datetimeFigureOut">
               <a:rPr lang="en-US" smtClean="0"/>
-              <a:t>6/7/17</a:t>
+              <a:t>2/26/18</a:t>
             </a:fld>
             <a:endParaRPr lang="en-US"/>
           </a:p>
@@ -1383,10 +1382,9 @@
           <a:lstStyle/>
           <a:p>
             <a:r>
-              <a:rPr lang="en-US" smtClean="0"/>
+              <a:rPr lang="en-US"/>
               <a:t>Click to edit Master title style</a:t>
             </a:r>
-            <a:endParaRPr lang="en-US"/>
           </a:p>
         </p:txBody>
       </p:sp>
@@ -1407,38 +1405,37 @@
           <a:p>
             <a:pPr lvl="0"/>
             <a:r>
-              <a:rPr lang="en-US" smtClean="0"/>
+              <a:rPr lang="en-US"/>
               <a:t>Click to edit Master text styles</a:t>
             </a:r>
           </a:p>
           <a:p>
             <a:pPr lvl="1"/>
             <a:r>
-              <a:rPr lang="en-US" smtClean="0"/>
+              <a:rPr lang="en-US"/>
               <a:t>Second level</a:t>
             </a:r>
           </a:p>
           <a:p>
             <a:pPr lvl="2"/>
             <a:r>
-              <a:rPr lang="en-US" smtClean="0"/>
+              <a:rPr lang="en-US"/>
               <a:t>Third level</a:t>
             </a:r>
           </a:p>
           <a:p>
             <a:pPr lvl="3"/>
             <a:r>
-              <a:rPr lang="en-US" smtClean="0"/>
+              <a:rPr lang="en-US"/>
               <a:t>Fourth level</a:t>
             </a:r>
           </a:p>
           <a:p>
             <a:pPr lvl="4"/>
             <a:r>
-              <a:rPr lang="en-US" smtClean="0"/>
+              <a:rPr lang="en-US"/>
               <a:t>Fifth level</a:t>
             </a:r>
-            <a:endParaRPr lang="en-US"/>
           </a:p>
         </p:txBody>
       </p:sp>
@@ -1459,7 +1456,7 @@
           <a:p>
             <a:fld id="{7CE38E4D-051A-41E1-86A4-E56916468FD0}" type="datetimeFigureOut">
               <a:rPr lang="en-US" smtClean="0"/>
-              <a:t>6/7/17</a:t>
+              <a:t>2/26/18</a:t>
             </a:fld>
             <a:endParaRPr lang="en-US"/>
           </a:p>
@@ -1553,7 +1550,7 @@
           <a:lstStyle/>
           <a:p>
             <a:r>
-              <a:rPr lang="en-US" smtClean="0"/>
+              <a:rPr lang="en-US"/>
               <a:t>Click to edit Master title style</a:t>
             </a:r>
             <a:endParaRPr lang="en-US" dirty="0"/>
@@ -1582,35 +1579,35 @@
           <a:p>
             <a:pPr lvl="0"/>
             <a:r>
-              <a:rPr lang="en-US" smtClean="0"/>
+              <a:rPr lang="en-US"/>
               <a:t>Click to edit Master text styles</a:t>
             </a:r>
           </a:p>
           <a:p>
             <a:pPr lvl="1"/>
             <a:r>
-              <a:rPr lang="en-US" smtClean="0"/>
+              <a:rPr lang="en-US"/>
               <a:t>Second level</a:t>
             </a:r>
           </a:p>
           <a:p>
             <a:pPr lvl="2"/>
             <a:r>
-              <a:rPr lang="en-US" smtClean="0"/>
+              <a:rPr lang="en-US"/>
               <a:t>Third level</a:t>
             </a:r>
           </a:p>
           <a:p>
             <a:pPr lvl="3"/>
             <a:r>
-              <a:rPr lang="en-US" smtClean="0"/>
+              <a:rPr lang="en-US"/>
               <a:t>Fourth level</a:t>
             </a:r>
           </a:p>
           <a:p>
             <a:pPr lvl="4"/>
             <a:r>
-              <a:rPr lang="en-US" smtClean="0"/>
+              <a:rPr lang="en-US"/>
               <a:t>Fifth level</a:t>
             </a:r>
             <a:endParaRPr lang="en-US" dirty="0"/>
@@ -1634,7 +1631,7 @@
           <a:p>
             <a:fld id="{7CE38E4D-051A-41E1-86A4-E56916468FD0}" type="datetimeFigureOut">
               <a:rPr lang="en-US" smtClean="0"/>
-              <a:t>6/7/17</a:t>
+              <a:t>2/26/18</a:t>
             </a:fld>
             <a:endParaRPr lang="en-US"/>
           </a:p>
@@ -1723,7 +1720,7 @@
           <a:lstStyle/>
           <a:p>
             <a:r>
-              <a:rPr lang="en-US" smtClean="0"/>
+              <a:rPr lang="en-US"/>
               <a:t>Click to edit Master title style</a:t>
             </a:r>
             <a:endParaRPr lang="en-US" dirty="0"/>
@@ -1747,35 +1744,35 @@
           <a:p>
             <a:pPr lvl="0"/>
             <a:r>
-              <a:rPr lang="en-US" smtClean="0"/>
+              <a:rPr lang="en-US"/>
               <a:t>Click to edit Master text styles</a:t>
             </a:r>
           </a:p>
           <a:p>
             <a:pPr lvl="1"/>
             <a:r>
-              <a:rPr lang="en-US" smtClean="0"/>
+              <a:rPr lang="en-US"/>
               <a:t>Second level</a:t>
             </a:r>
           </a:p>
           <a:p>
             <a:pPr lvl="2"/>
             <a:r>
-              <a:rPr lang="en-US" smtClean="0"/>
+              <a:rPr lang="en-US"/>
               <a:t>Third level</a:t>
             </a:r>
           </a:p>
           <a:p>
             <a:pPr lvl="3"/>
             <a:r>
-              <a:rPr lang="en-US" smtClean="0"/>
+              <a:rPr lang="en-US"/>
               <a:t>Fourth level</a:t>
             </a:r>
           </a:p>
           <a:p>
             <a:pPr lvl="4"/>
             <a:r>
-              <a:rPr lang="en-US" smtClean="0"/>
+              <a:rPr lang="en-US"/>
               <a:t>Fifth level</a:t>
             </a:r>
             <a:endParaRPr lang="en-US" dirty="0"/>
@@ -1799,7 +1796,7 @@
           <a:p>
             <a:fld id="{7CE38E4D-051A-41E1-86A4-E56916468FD0}" type="datetimeFigureOut">
               <a:rPr lang="en-US" smtClean="0"/>
-              <a:t>6/7/17</a:t>
+              <a:t>2/26/18</a:t>
             </a:fld>
             <a:endParaRPr lang="en-US"/>
           </a:p>
@@ -1897,7 +1894,7 @@
           </a:lstStyle>
           <a:p>
             <a:r>
-              <a:rPr lang="en-US" smtClean="0"/>
+              <a:rPr lang="en-US"/>
               <a:t>Click to edit Master title style</a:t>
             </a:r>
             <a:endParaRPr lang="en-US" dirty="0"/>
@@ -2015,7 +2012,7 @@
           <a:p>
             <a:pPr lvl="0"/>
             <a:r>
-              <a:rPr lang="en-US" smtClean="0"/>
+              <a:rPr lang="en-US"/>
               <a:t>Click to edit Master text styles</a:t>
             </a:r>
           </a:p>
@@ -2038,7 +2035,7 @@
           <a:p>
             <a:fld id="{7CE38E4D-051A-41E1-86A4-E56916468FD0}" type="datetimeFigureOut">
               <a:rPr lang="en-US" smtClean="0"/>
-              <a:t>6/7/17</a:t>
+              <a:t>2/26/18</a:t>
             </a:fld>
             <a:endParaRPr lang="en-US"/>
           </a:p>
@@ -2127,10 +2124,9 @@
           <a:lstStyle/>
           <a:p>
             <a:r>
-              <a:rPr lang="en-US" smtClean="0"/>
+              <a:rPr lang="en-US"/>
               <a:t>Click to edit Master title style</a:t>
             </a:r>
-            <a:endParaRPr lang="en-US"/>
           </a:p>
         </p:txBody>
       </p:sp>
@@ -2184,38 +2180,37 @@
           <a:p>
             <a:pPr lvl="0"/>
             <a:r>
-              <a:rPr lang="en-US" smtClean="0"/>
+              <a:rPr lang="en-US"/>
               <a:t>Click to edit Master text styles</a:t>
             </a:r>
           </a:p>
           <a:p>
             <a:pPr lvl="1"/>
             <a:r>
-              <a:rPr lang="en-US" smtClean="0"/>
+              <a:rPr lang="en-US"/>
               <a:t>Second level</a:t>
             </a:r>
           </a:p>
           <a:p>
             <a:pPr lvl="2"/>
             <a:r>
-              <a:rPr lang="en-US" smtClean="0"/>
+              <a:rPr lang="en-US"/>
               <a:t>Third level</a:t>
             </a:r>
           </a:p>
           <a:p>
             <a:pPr lvl="3"/>
             <a:r>
-              <a:rPr lang="en-US" smtClean="0"/>
+              <a:rPr lang="en-US"/>
               <a:t>Fourth level</a:t>
             </a:r>
           </a:p>
           <a:p>
             <a:pPr lvl="4"/>
             <a:r>
-              <a:rPr lang="en-US" smtClean="0"/>
+              <a:rPr lang="en-US"/>
               <a:t>Fifth level</a:t>
             </a:r>
-            <a:endParaRPr lang="en-US"/>
           </a:p>
         </p:txBody>
       </p:sp>
@@ -2269,38 +2264,37 @@
           <a:p>
             <a:pPr lvl="0"/>
             <a:r>
-              <a:rPr lang="en-US" smtClean="0"/>
+              <a:rPr lang="en-US"/>
               <a:t>Click to edit Master text styles</a:t>
             </a:r>
           </a:p>
           <a:p>
             <a:pPr lvl="1"/>
             <a:r>
-              <a:rPr lang="en-US" smtClean="0"/>
+              <a:rPr lang="en-US"/>
               <a:t>Second level</a:t>
             </a:r>
           </a:p>
           <a:p>
             <a:pPr lvl="2"/>
             <a:r>
-              <a:rPr lang="en-US" smtClean="0"/>
+              <a:rPr lang="en-US"/>
               <a:t>Third level</a:t>
             </a:r>
           </a:p>
           <a:p>
             <a:pPr lvl="3"/>
             <a:r>
-              <a:rPr lang="en-US" smtClean="0"/>
+              <a:rPr lang="en-US"/>
               <a:t>Fourth level</a:t>
             </a:r>
           </a:p>
           <a:p>
             <a:pPr lvl="4"/>
             <a:r>
-              <a:rPr lang="en-US" smtClean="0"/>
+              <a:rPr lang="en-US"/>
               <a:t>Fifth level</a:t>
             </a:r>
-            <a:endParaRPr lang="en-US"/>
           </a:p>
         </p:txBody>
       </p:sp>
@@ -2321,7 +2315,7 @@
           <a:p>
             <a:fld id="{7CE38E4D-051A-41E1-86A4-E56916468FD0}" type="datetimeFigureOut">
               <a:rPr lang="en-US" smtClean="0"/>
-              <a:t>6/7/17</a:t>
+              <a:t>2/26/18</a:t>
             </a:fld>
             <a:endParaRPr lang="en-US"/>
           </a:p>
@@ -2414,7 +2408,7 @@
           </a:lstStyle>
           <a:p>
             <a:r>
-              <a:rPr lang="en-US" smtClean="0"/>
+              <a:rPr lang="en-US"/>
               <a:t>Click to edit Master title style</a:t>
             </a:r>
             <a:endParaRPr lang="en-US" dirty="0"/>
@@ -2480,7 +2474,7 @@
           <a:p>
             <a:pPr lvl="0"/>
             <a:r>
-              <a:rPr lang="en-US" smtClean="0"/>
+              <a:rPr lang="en-US"/>
               <a:t>Click to edit Master text styles</a:t>
             </a:r>
           </a:p>
@@ -2536,38 +2530,37 @@
           <a:p>
             <a:pPr lvl="0"/>
             <a:r>
-              <a:rPr lang="en-US" smtClean="0"/>
+              <a:rPr lang="en-US"/>
               <a:t>Click to edit Master text styles</a:t>
             </a:r>
           </a:p>
           <a:p>
             <a:pPr lvl="1"/>
             <a:r>
-              <a:rPr lang="en-US" smtClean="0"/>
+              <a:rPr lang="en-US"/>
               <a:t>Second level</a:t>
             </a:r>
           </a:p>
           <a:p>
             <a:pPr lvl="2"/>
             <a:r>
-              <a:rPr lang="en-US" smtClean="0"/>
+              <a:rPr lang="en-US"/>
               <a:t>Third level</a:t>
             </a:r>
           </a:p>
           <a:p>
             <a:pPr lvl="3"/>
             <a:r>
-              <a:rPr lang="en-US" smtClean="0"/>
+              <a:rPr lang="en-US"/>
               <a:t>Fourth level</a:t>
             </a:r>
           </a:p>
           <a:p>
             <a:pPr lvl="4"/>
             <a:r>
-              <a:rPr lang="en-US" smtClean="0"/>
+              <a:rPr lang="en-US"/>
               <a:t>Fifth level</a:t>
             </a:r>
-            <a:endParaRPr lang="en-US"/>
           </a:p>
         </p:txBody>
       </p:sp>
@@ -2630,7 +2623,7 @@
           <a:p>
             <a:pPr lvl="0"/>
             <a:r>
-              <a:rPr lang="en-US" smtClean="0"/>
+              <a:rPr lang="en-US"/>
               <a:t>Click to edit Master text styles</a:t>
             </a:r>
           </a:p>
@@ -2686,38 +2679,37 @@
           <a:p>
             <a:pPr lvl="0"/>
             <a:r>
-              <a:rPr lang="en-US" smtClean="0"/>
+              <a:rPr lang="en-US"/>
               <a:t>Click to edit Master text styles</a:t>
             </a:r>
           </a:p>
           <a:p>
             <a:pPr lvl="1"/>
             <a:r>
-              <a:rPr lang="en-US" smtClean="0"/>
+              <a:rPr lang="en-US"/>
               <a:t>Second level</a:t>
             </a:r>
           </a:p>
           <a:p>
             <a:pPr lvl="2"/>
             <a:r>
-              <a:rPr lang="en-US" smtClean="0"/>
+              <a:rPr lang="en-US"/>
               <a:t>Third level</a:t>
             </a:r>
           </a:p>
           <a:p>
             <a:pPr lvl="3"/>
             <a:r>
-              <a:rPr lang="en-US" smtClean="0"/>
+              <a:rPr lang="en-US"/>
               <a:t>Fourth level</a:t>
             </a:r>
           </a:p>
           <a:p>
             <a:pPr lvl="4"/>
             <a:r>
-              <a:rPr lang="en-US" smtClean="0"/>
+              <a:rPr lang="en-US"/>
               <a:t>Fifth level</a:t>
             </a:r>
-            <a:endParaRPr lang="en-US"/>
           </a:p>
         </p:txBody>
       </p:sp>
@@ -2738,7 +2730,7 @@
           <a:p>
             <a:fld id="{7CE38E4D-051A-41E1-86A4-E56916468FD0}" type="datetimeFigureOut">
               <a:rPr lang="en-US" smtClean="0"/>
-              <a:t>6/7/17</a:t>
+              <a:t>2/26/18</a:t>
             </a:fld>
             <a:endParaRPr lang="en-US"/>
           </a:p>
@@ -2827,10 +2819,9 @@
           <a:lstStyle/>
           <a:p>
             <a:r>
-              <a:rPr lang="en-US" smtClean="0"/>
+              <a:rPr lang="en-US"/>
               <a:t>Click to edit Master title style</a:t>
             </a:r>
-            <a:endParaRPr lang="en-US"/>
           </a:p>
         </p:txBody>
       </p:sp>
@@ -2851,7 +2842,7 @@
           <a:p>
             <a:fld id="{7CE38E4D-051A-41E1-86A4-E56916468FD0}" type="datetimeFigureOut">
               <a:rPr lang="en-US" smtClean="0"/>
-              <a:t>6/7/17</a:t>
+              <a:t>2/26/18</a:t>
             </a:fld>
             <a:endParaRPr lang="en-US"/>
           </a:p>
@@ -2941,7 +2932,7 @@
           <a:p>
             <a:fld id="{7CE38E4D-051A-41E1-86A4-E56916468FD0}" type="datetimeFigureOut">
               <a:rPr lang="en-US" smtClean="0"/>
-              <a:t>6/7/17</a:t>
+              <a:t>2/26/18</a:t>
             </a:fld>
             <a:endParaRPr lang="en-US"/>
           </a:p>
@@ -3039,7 +3030,7 @@
           </a:lstStyle>
           <a:p>
             <a:r>
-              <a:rPr lang="en-US" smtClean="0"/>
+              <a:rPr lang="en-US"/>
               <a:t>Click to edit Master title style</a:t>
             </a:r>
             <a:endParaRPr lang="en-US" dirty="0"/>
@@ -3096,38 +3087,37 @@
           <a:p>
             <a:pPr lvl="0"/>
             <a:r>
-              <a:rPr lang="en-US" smtClean="0"/>
+              <a:rPr lang="en-US"/>
               <a:t>Click to edit Master text styles</a:t>
             </a:r>
           </a:p>
           <a:p>
             <a:pPr lvl="1"/>
             <a:r>
-              <a:rPr lang="en-US" smtClean="0"/>
+              <a:rPr lang="en-US"/>
               <a:t>Second level</a:t>
             </a:r>
           </a:p>
           <a:p>
             <a:pPr lvl="2"/>
             <a:r>
-              <a:rPr lang="en-US" smtClean="0"/>
+              <a:rPr lang="en-US"/>
               <a:t>Third level</a:t>
             </a:r>
           </a:p>
           <a:p>
             <a:pPr lvl="3"/>
             <a:r>
-              <a:rPr lang="en-US" smtClean="0"/>
+              <a:rPr lang="en-US"/>
               <a:t>Fourth level</a:t>
             </a:r>
           </a:p>
           <a:p>
             <a:pPr lvl="4"/>
             <a:r>
-              <a:rPr lang="en-US" smtClean="0"/>
+              <a:rPr lang="en-US"/>
               <a:t>Fifth level</a:t>
             </a:r>
-            <a:endParaRPr lang="en-US"/>
           </a:p>
         </p:txBody>
       </p:sp>
@@ -3197,7 +3187,7 @@
           <a:p>
             <a:pPr lvl="0"/>
             <a:r>
-              <a:rPr lang="en-US" smtClean="0"/>
+              <a:rPr lang="en-US"/>
               <a:t>Click to edit Master text styles</a:t>
             </a:r>
           </a:p>
@@ -3220,7 +3210,7 @@
           <a:p>
             <a:fld id="{7CE38E4D-051A-41E1-86A4-E56916468FD0}" type="datetimeFigureOut">
               <a:rPr lang="en-US" smtClean="0"/>
-              <a:t>6/7/17</a:t>
+              <a:t>2/26/18</a:t>
             </a:fld>
             <a:endParaRPr lang="en-US"/>
           </a:p>
@@ -3318,7 +3308,7 @@
           </a:lstStyle>
           <a:p>
             <a:r>
-              <a:rPr lang="en-US" smtClean="0"/>
+              <a:rPr lang="en-US"/>
               <a:t>Click to edit Master title style</a:t>
             </a:r>
             <a:endParaRPr lang="en-US" dirty="0"/>
@@ -3383,10 +3373,9 @@
           </a:lstStyle>
           <a:p>
             <a:r>
-              <a:rPr lang="en-US" smtClean="0"/>
+              <a:rPr lang="en-US"/>
               <a:t>Drag picture to placeholder or click icon to add</a:t>
             </a:r>
-            <a:endParaRPr lang="en-US"/>
           </a:p>
         </p:txBody>
       </p:sp>
@@ -3456,7 +3445,7 @@
           <a:p>
             <a:pPr lvl="0"/>
             <a:r>
-              <a:rPr lang="en-US" smtClean="0"/>
+              <a:rPr lang="en-US"/>
               <a:t>Click to edit Master text styles</a:t>
             </a:r>
           </a:p>
@@ -3479,7 +3468,7 @@
           <a:p>
             <a:fld id="{7CE38E4D-051A-41E1-86A4-E56916468FD0}" type="datetimeFigureOut">
               <a:rPr lang="en-US" smtClean="0"/>
-              <a:t>6/7/17</a:t>
+              <a:t>2/26/18</a:t>
             </a:fld>
             <a:endParaRPr lang="en-US"/>
           </a:p>
@@ -3583,7 +3572,7 @@
           <a:lstStyle/>
           <a:p>
             <a:r>
-              <a:rPr lang="en-US" smtClean="0"/>
+              <a:rPr lang="en-US"/>
               <a:t>Click to edit Master title style</a:t>
             </a:r>
             <a:endParaRPr lang="en-US" dirty="0"/>
@@ -3617,35 +3606,35 @@
           <a:p>
             <a:pPr lvl="0"/>
             <a:r>
-              <a:rPr lang="en-US" smtClean="0"/>
+              <a:rPr lang="en-US"/>
               <a:t>Click to edit Master text styles</a:t>
             </a:r>
           </a:p>
           <a:p>
             <a:pPr lvl="1"/>
             <a:r>
-              <a:rPr lang="en-US" smtClean="0"/>
+              <a:rPr lang="en-US"/>
               <a:t>Second level</a:t>
             </a:r>
           </a:p>
           <a:p>
             <a:pPr lvl="2"/>
             <a:r>
-              <a:rPr lang="en-US" smtClean="0"/>
+              <a:rPr lang="en-US"/>
               <a:t>Third level</a:t>
             </a:r>
           </a:p>
           <a:p>
             <a:pPr lvl="3"/>
             <a:r>
-              <a:rPr lang="en-US" smtClean="0"/>
+              <a:rPr lang="en-US"/>
               <a:t>Fourth level</a:t>
             </a:r>
           </a:p>
           <a:p>
             <a:pPr lvl="4"/>
             <a:r>
-              <a:rPr lang="en-US" smtClean="0"/>
+              <a:rPr lang="en-US"/>
               <a:t>Fifth level</a:t>
             </a:r>
             <a:endParaRPr lang="en-US" dirty="0"/>
@@ -3687,7 +3676,7 @@
           <a:p>
             <a:fld id="{7CE38E4D-051A-41E1-86A4-E56916468FD0}" type="datetimeFigureOut">
               <a:rPr lang="en-US" smtClean="0"/>
-              <a:t>6/7/17</a:t>
+              <a:t>2/26/18</a:t>
             </a:fld>
             <a:endParaRPr lang="en-US"/>
           </a:p>
@@ -4151,17 +4140,16 @@
           <a:lstStyle/>
           <a:p>
             <a:r>
-              <a:rPr lang="en-US" dirty="0" smtClean="0"/>
+              <a:rPr lang="en-US" dirty="0"/>
               <a:t>Geolocation</a:t>
             </a:r>
             <a:br>
-              <a:rPr lang="en-US" dirty="0" smtClean="0"/>
+              <a:rPr lang="en-US" dirty="0"/>
             </a:br>
             <a:r>
-              <a:rPr lang="en-US" dirty="0" smtClean="0"/>
+              <a:rPr lang="en-US" dirty="0"/>
               <a:t>Overview</a:t>
             </a:r>
-            <a:endParaRPr lang="en-US" dirty="0"/>
           </a:p>
         </p:txBody>
       </p:sp>
@@ -4186,16 +4174,15 @@
           <a:lstStyle/>
           <a:p>
             <a:r>
-              <a:rPr lang="en-US" dirty="0" smtClean="0"/>
+              <a:rPr lang="en-US" dirty="0"/>
               <a:t>CS235AM</a:t>
             </a:r>
           </a:p>
           <a:p>
             <a:r>
-              <a:rPr lang="en-US" dirty="0" smtClean="0"/>
+              <a:rPr lang="en-US" dirty="0"/>
               <a:t>Android App Development</a:t>
             </a:r>
-            <a:endParaRPr lang="en-US" dirty="0"/>
           </a:p>
         </p:txBody>
       </p:sp>
@@ -4224,28 +4211,20 @@
             <a:pPr algn="ctr"/>
             <a:r>
               <a:rPr lang="en-US" dirty="0"/>
-              <a:t>b</a:t>
-            </a:r>
-            <a:r>
-              <a:rPr lang="en-US" dirty="0" smtClean="0"/>
-              <a:t>y Brian Bird</a:t>
+              <a:t>by Brian Bird</a:t>
             </a:r>
           </a:p>
           <a:p>
             <a:pPr algn="ctr"/>
             <a:r>
               <a:rPr lang="en-US" dirty="0"/>
-              <a:t>Spring </a:t>
-            </a:r>
-            <a:r>
-              <a:rPr lang="en-US" dirty="0" smtClean="0"/>
-              <a:t>2016</a:t>
+              <a:t>Winter 2018</a:t>
             </a:r>
           </a:p>
           <a:p>
             <a:pPr algn="ctr"/>
             <a:r>
-              <a:rPr lang="en-US" dirty="0" smtClean="0"/>
+              <a:rPr lang="en-US" dirty="0"/>
               <a:t>Lane Community College</a:t>
             </a:r>
           </a:p>
@@ -4261,13 +4240,6 @@
   <p:clrMapOvr>
     <a:masterClrMapping/>
   </p:clrMapOvr>
-  <p:timing>
-    <p:tnLst>
-      <p:par>
-        <p:cTn id="1" dur="indefinite" restart="never" nodeType="tmRoot"/>
-      </p:par>
-    </p:tnLst>
-  </p:timing>
 </p:sld>
 </file>
 
@@ -4306,31 +4278,85 @@
           <a:lstStyle/>
           <a:p>
             <a:r>
-              <a:rPr lang="en-US" dirty="0" smtClean="0"/>
+              <a:rPr lang="en-US" dirty="0"/>
               <a:t>Course Schedule</a:t>
             </a:r>
+          </a:p>
+        </p:txBody>
+      </p:sp>
+      <p:sp>
+        <p:nvSpPr>
+          <p:cNvPr id="3" name="Content Placeholder 2">
+            <a:extLst>
+              <a:ext uri="{FF2B5EF4-FFF2-40B4-BE49-F238E27FC236}">
+                <a16:creationId xmlns:a16="http://schemas.microsoft.com/office/drawing/2014/main" id="{CC5F1EDC-0102-B747-A28C-F64192D5C245}"/>
+              </a:ext>
+            </a:extLst>
+          </p:cNvPr>
+          <p:cNvSpPr>
+            <a:spLocks noGrp="1"/>
+          </p:cNvSpPr>
+          <p:nvPr>
+            <p:ph sz="half" idx="1"/>
+          </p:nvPr>
+        </p:nvSpPr>
+        <p:spPr/>
+        <p:txBody>
+          <a:bodyPr/>
+          <a:lstStyle/>
+          <a:p>
             <a:endParaRPr lang="en-US" dirty="0"/>
+          </a:p>
+        </p:txBody>
+      </p:sp>
+      <p:sp>
+        <p:nvSpPr>
+          <p:cNvPr id="7" name="Content Placeholder 6">
+            <a:extLst>
+              <a:ext uri="{FF2B5EF4-FFF2-40B4-BE49-F238E27FC236}">
+                <a16:creationId xmlns:a16="http://schemas.microsoft.com/office/drawing/2014/main" id="{5BAD3706-37FA-8C4C-8F4F-350D394E43C1}"/>
+              </a:ext>
+            </a:extLst>
+          </p:cNvPr>
+          <p:cNvSpPr>
+            <a:spLocks noGrp="1"/>
+          </p:cNvSpPr>
+          <p:nvPr>
+            <p:ph sz="half" idx="2"/>
+          </p:nvPr>
+        </p:nvSpPr>
+        <p:spPr/>
+        <p:txBody>
+          <a:bodyPr/>
+          <a:lstStyle/>
+          <a:p>
+            <a:endParaRPr lang="en-US"/>
           </a:p>
         </p:txBody>
       </p:sp>
       <p:graphicFrame>
         <p:nvGraphicFramePr>
-          <p:cNvPr id="5" name="Content Placeholder 4"/>
+          <p:cNvPr id="9" name="Content Placeholder 4">
+            <a:extLst>
+              <a:ext uri="{FF2B5EF4-FFF2-40B4-BE49-F238E27FC236}">
+                <a16:creationId xmlns:a16="http://schemas.microsoft.com/office/drawing/2014/main" id="{8FBE885A-E0FB-2F42-A07E-D69C69C672D2}"/>
+              </a:ext>
+            </a:extLst>
+          </p:cNvPr>
           <p:cNvGraphicFramePr>
-            <a:graphicFrameLocks noGrp="1"/>
+            <a:graphicFrameLocks/>
           </p:cNvGraphicFramePr>
           <p:nvPr>
-            <p:ph sz="half" idx="1"/>
             <p:extLst>
               <p:ext uri="{D42A27DB-BD31-4B8C-83A1-F6EECF244321}">
-                <p14:modId xmlns:p14="http://schemas.microsoft.com/office/powerpoint/2010/main" val="543435626"/>
+                <p14:modId xmlns:p14="http://schemas.microsoft.com/office/powerpoint/2010/main" val="2891594229"/>
               </p:ext>
             </p:extLst>
           </p:nvPr>
         </p:nvGraphicFramePr>
         <p:xfrm>
-          <a:off x="356277" y="2033752"/>
-          <a:ext cx="3991801" cy="4206798"/>
+          <a:off x="375131" y="1600200"/>
+          <a:ext cx="3991801" cy="4663440"/>
         </p:xfrm>
         <a:graphic>
           <a:graphicData uri="http://schemas.openxmlformats.org/drawingml/2006/table">
@@ -4339,20 +4365,31 @@
                 <a:tableStyleId>{775DCB02-9BB8-47FD-8907-85C794F793BA}</a:tableStyleId>
               </a:tblPr>
               <a:tblGrid>
-                <a:gridCol w="634323"/>
-                <a:gridCol w="3357478"/>
+                <a:gridCol w="511701">
+                  <a:extLst>
+                    <a:ext uri="{9D8B030D-6E8A-4147-A177-3AD203B41FA5}">
+                      <a16:colId xmlns:a16="http://schemas.microsoft.com/office/drawing/2014/main" val="20000"/>
+                    </a:ext>
+                  </a:extLst>
+                </a:gridCol>
+                <a:gridCol w="3480100">
+                  <a:extLst>
+                    <a:ext uri="{9D8B030D-6E8A-4147-A177-3AD203B41FA5}">
+                      <a16:colId xmlns:a16="http://schemas.microsoft.com/office/drawing/2014/main" val="20001"/>
+                    </a:ext>
+                  </a:extLst>
+                </a:gridCol>
               </a:tblGrid>
-              <a:tr h="427278">
+              <a:tr h="351148">
                 <a:tc>
                   <a:txBody>
                     <a:bodyPr/>
                     <a:lstStyle/>
                     <a:p>
                       <a:r>
-                        <a:rPr lang="en-US" dirty="0" smtClean="0"/>
+                        <a:rPr lang="en-US" dirty="0"/>
                         <a:t>Wk</a:t>
                       </a:r>
-                      <a:endParaRPr lang="en-US" dirty="0"/>
                     </a:p>
                   </a:txBody>
                   <a:tcPr/>
@@ -4363,14 +4400,18 @@
                     <a:lstStyle/>
                     <a:p>
                       <a:r>
-                        <a:rPr lang="en-US" dirty="0" smtClean="0"/>
+                        <a:rPr lang="en-US" dirty="0"/>
                         <a:t>Topic</a:t>
                       </a:r>
-                      <a:endParaRPr lang="en-US" dirty="0"/>
                     </a:p>
                   </a:txBody>
                   <a:tcPr/>
                 </a:tc>
+                <a:extLst>
+                  <a:ext uri="{0D108BD9-81ED-4DB2-BD59-A6C34878D82A}">
+                    <a16:rowId xmlns:a16="http://schemas.microsoft.com/office/drawing/2014/main" val="10000"/>
+                  </a:ext>
+                </a:extLst>
               </a:tr>
               <a:tr h="942660">
                 <a:tc>
@@ -4379,17 +4420,126 @@
                     <a:lstStyle/>
                     <a:p>
                       <a:r>
-                        <a:rPr lang="en-US" sz="2800" dirty="0" smtClean="0"/>
+                        <a:rPr lang="en-US" sz="2800" dirty="0"/>
                         <a:t>1</a:t>
                       </a:r>
-                      <a:endParaRPr lang="en-US" sz="2800" dirty="0"/>
+                    </a:p>
+                  </a:txBody>
+                  <a:tcPr/>
+                </a:tc>
+                <a:tc>
+                  <a:txBody>
+                    <a:bodyPr/>
+                    <a:lstStyle/>
+                    <a:p>
+                      <a:pPr marL="0" marR="0" indent="0" algn="l" defTabSz="457200" rtl="0" eaLnBrk="1" fontAlgn="auto" latinLnBrk="0" hangingPunct="1">
+                        <a:lnSpc>
+                          <a:spcPct val="100000"/>
+                        </a:lnSpc>
+                        <a:spcBef>
+                          <a:spcPts val="0"/>
+                        </a:spcBef>
+                        <a:spcAft>
+                          <a:spcPts val="0"/>
+                        </a:spcAft>
+                        <a:buClrTx/>
+                        <a:buSzTx/>
+                        <a:buFontTx/>
+                        <a:buNone/>
+                        <a:tabLst/>
+                        <a:defRPr/>
+                      </a:pPr>
+                      <a:r>
+                        <a:rPr lang="en-US" sz="2800" dirty="0"/>
+                        <a:t>Intro</a:t>
+                      </a:r>
+                      <a:r>
+                        <a:rPr lang="en-US" sz="2800" baseline="0" dirty="0"/>
+                        <a:t> +</a:t>
+                      </a:r>
+                      <a:r>
+                        <a:rPr lang="en-US" sz="2800" dirty="0"/>
+                        <a:t> single-screen apps</a:t>
+                      </a:r>
+                    </a:p>
+                  </a:txBody>
+                  <a:tcPr/>
+                </a:tc>
+                <a:extLst>
+                  <a:ext uri="{0D108BD9-81ED-4DB2-BD59-A6C34878D82A}">
+                    <a16:rowId xmlns:a16="http://schemas.microsoft.com/office/drawing/2014/main" val="10001"/>
+                  </a:ext>
+                </a:extLst>
+              </a:tr>
+              <a:tr h="942660">
+                <a:tc>
+                  <a:txBody>
+                    <a:bodyPr/>
+                    <a:lstStyle/>
+                    <a:p>
+                      <a:r>
+                        <a:rPr lang="en-US" sz="2800" dirty="0"/>
+                        <a:t>2</a:t>
+                      </a:r>
+                    </a:p>
+                  </a:txBody>
+                  <a:tcPr>
+                    <a:noFill/>
+                  </a:tcPr>
+                </a:tc>
+                <a:tc>
+                  <a:txBody>
+                    <a:bodyPr/>
+                    <a:lstStyle/>
+                    <a:p>
+                      <a:pPr marL="0" marR="0" indent="0" algn="l" defTabSz="457200" rtl="0" eaLnBrk="1" fontAlgn="auto" latinLnBrk="0" hangingPunct="1">
+                        <a:lnSpc>
+                          <a:spcPct val="100000"/>
+                        </a:lnSpc>
+                        <a:spcBef>
+                          <a:spcPts val="0"/>
+                        </a:spcBef>
+                        <a:spcAft>
+                          <a:spcPts val="0"/>
+                        </a:spcAft>
+                        <a:buClrTx/>
+                        <a:buSzTx/>
+                        <a:buFontTx/>
+                        <a:buNone/>
+                        <a:tabLst/>
+                        <a:defRPr/>
+                      </a:pPr>
+                      <a:r>
+                        <a:rPr lang="en-US" sz="2800" dirty="0"/>
+                        <a:t>Multi-screen (multi-activity) apps</a:t>
+                      </a:r>
+                    </a:p>
+                  </a:txBody>
+                  <a:tcPr>
+                    <a:noFill/>
+                  </a:tcPr>
+                </a:tc>
+                <a:extLst>
+                  <a:ext uri="{0D108BD9-81ED-4DB2-BD59-A6C34878D82A}">
+                    <a16:rowId xmlns:a16="http://schemas.microsoft.com/office/drawing/2014/main" val="10002"/>
+                  </a:ext>
+                </a:extLst>
+              </a:tr>
+              <a:tr h="942660">
+                <a:tc>
+                  <a:txBody>
+                    <a:bodyPr/>
+                    <a:lstStyle/>
+                    <a:p>
+                      <a:r>
+                        <a:rPr lang="en-US" sz="2800" dirty="0"/>
+                        <a:t>3</a:t>
+                      </a:r>
                     </a:p>
                   </a:txBody>
                   <a:tcPr>
                     <a:solidFill>
-                      <a:schemeClr val="bg2">
-                        <a:lumMod val="25000"/>
-                        <a:lumOff val="75000"/>
+                      <a:schemeClr val="accent4">
                         <a:alpha val="40000"/>
                       </a:schemeClr>
                     </a:solidFill>
@@ -4418,50 +4568,44 @@
                         <a:defRPr/>
                       </a:pPr>
                       <a:r>
-                        <a:rPr lang="en-US" sz="2800" dirty="0" smtClean="0"/>
-                        <a:t>Intro</a:t>
+                        <a:rPr lang="en-US" sz="2800" dirty="0"/>
+                        <a:t>Activity lifecycle</a:t>
                       </a:r>
                       <a:r>
-                        <a:rPr lang="en-US" sz="2800" baseline="0" dirty="0" smtClean="0"/>
-                        <a:t> +</a:t>
+                        <a:rPr lang="en-US" sz="2800" baseline="0" dirty="0"/>
+                        <a:t> + state</a:t>
                       </a:r>
-                      <a:r>
-                        <a:rPr lang="en-US" sz="2800" dirty="0" smtClean="0"/>
-                        <a:t> single-screen apps</a:t>
-                      </a:r>
+                      <a:endParaRPr lang="en-US" sz="2800" dirty="0"/>
                     </a:p>
                   </a:txBody>
                   <a:tcPr>
                     <a:solidFill>
-                      <a:schemeClr val="bg2">
-                        <a:lumMod val="25000"/>
-                        <a:lumOff val="75000"/>
+                      <a:schemeClr val="accent4">
                         <a:alpha val="40000"/>
                       </a:schemeClr>
                     </a:solidFill>
                   </a:tcPr>
                 </a:tc>
+                <a:extLst>
+                  <a:ext uri="{0D108BD9-81ED-4DB2-BD59-A6C34878D82A}">
+                    <a16:rowId xmlns:a16="http://schemas.microsoft.com/office/drawing/2014/main" val="10003"/>
+                  </a:ext>
+                </a:extLst>
               </a:tr>
-              <a:tr h="942660">
+              <a:tr h="516942">
                 <a:tc>
                   <a:txBody>
                     <a:bodyPr/>
                     <a:lstStyle/>
                     <a:p>
                       <a:r>
-                        <a:rPr lang="en-US" sz="2800" dirty="0" smtClean="0"/>
-                        <a:t>2</a:t>
+                        <a:rPr lang="en-US" sz="2800" dirty="0"/>
+                        <a:t>4</a:t>
                       </a:r>
-                      <a:endParaRPr lang="en-US" sz="2800" dirty="0"/>
                     </a:p>
                   </a:txBody>
                   <a:tcPr>
-                    <a:solidFill>
-                      <a:schemeClr val="bg2">
-                        <a:lumMod val="10000"/>
-                        <a:lumOff val="90000"/>
-                      </a:schemeClr>
-                    </a:solidFill>
+                    <a:noFill/>
                   </a:tcPr>
                 </a:tc>
                 <a:tc>
@@ -4487,39 +4631,42 @@
                         <a:defRPr/>
                       </a:pPr>
                       <a:r>
-                        <a:rPr lang="en-US" sz="2800" dirty="0" smtClean="0"/>
-                        <a:t>Multi-screen (multi-activity) apps</a:t>
+                        <a:rPr lang="en-US" sz="2800" dirty="0"/>
+                        <a:t>Adapting to size and orientation:</a:t>
                       </a:r>
+                      <a:r>
+                        <a:rPr lang="en-US" sz="2800" baseline="0" dirty="0"/>
+                        <a:t> Layouts</a:t>
+                      </a:r>
+                      <a:endParaRPr lang="en-US" sz="2800" dirty="0"/>
                     </a:p>
                   </a:txBody>
                   <a:tcPr>
-                    <a:solidFill>
-                      <a:schemeClr val="bg2">
-                        <a:lumMod val="10000"/>
-                        <a:lumOff val="90000"/>
-                      </a:schemeClr>
-                    </a:solidFill>
+                    <a:noFill/>
                   </a:tcPr>
                 </a:tc>
+                <a:extLst>
+                  <a:ext uri="{0D108BD9-81ED-4DB2-BD59-A6C34878D82A}">
+                    <a16:rowId xmlns:a16="http://schemas.microsoft.com/office/drawing/2014/main" val="10004"/>
+                  </a:ext>
+                </a:extLst>
               </a:tr>
-              <a:tr h="942660">
+              <a:tr h="516942">
                 <a:tc>
                   <a:txBody>
                     <a:bodyPr/>
                     <a:lstStyle/>
                     <a:p>
                       <a:r>
-                        <a:rPr lang="en-US" sz="2800" dirty="0" smtClean="0"/>
-                        <a:t>3</a:t>
+                        <a:rPr lang="en-US" sz="2800" dirty="0"/>
+                        <a:t>5</a:t>
                       </a:r>
-                      <a:endParaRPr lang="en-US" sz="2800" dirty="0"/>
                     </a:p>
                   </a:txBody>
                   <a:tcPr>
                     <a:solidFill>
-                      <a:schemeClr val="bg2">
-                        <a:lumMod val="25000"/>
-                        <a:lumOff val="75000"/>
+                      <a:schemeClr val="tx2">
+                        <a:lumMod val="75000"/>
                         <a:alpha val="40000"/>
                       </a:schemeClr>
                     </a:solidFill>
@@ -4548,97 +4695,25 @@
                         <a:defRPr/>
                       </a:pPr>
                       <a:r>
-                        <a:rPr lang="en-US" sz="2800" dirty="0" smtClean="0"/>
-                        <a:t>Activity lifecycle</a:t>
+                        <a:rPr lang="en-US" sz="2800" dirty="0"/>
+                        <a:t>Fragments</a:t>
                       </a:r>
-                      <a:r>
-                        <a:rPr lang="en-US" sz="2800" baseline="0" dirty="0" smtClean="0"/>
-                        <a:t> and state</a:t>
-                      </a:r>
-                      <a:endParaRPr lang="en-US" sz="2800" dirty="0" smtClean="0"/>
                     </a:p>
                   </a:txBody>
                   <a:tcPr>
                     <a:solidFill>
-                      <a:schemeClr val="bg2">
-                        <a:lumMod val="25000"/>
-                        <a:lumOff val="75000"/>
+                      <a:schemeClr val="tx2">
+                        <a:lumMod val="75000"/>
                         <a:alpha val="40000"/>
                       </a:schemeClr>
                     </a:solidFill>
                   </a:tcPr>
                 </a:tc>
-              </a:tr>
-              <a:tr h="516942">
-                <a:tc>
-                  <a:txBody>
-                    <a:bodyPr/>
-                    <a:lstStyle/>
-                    <a:p>
-                      <a:r>
-                        <a:rPr lang="en-US" sz="2800" dirty="0" smtClean="0"/>
-                        <a:t>4</a:t>
-                      </a:r>
-                    </a:p>
-                    <a:p>
-                      <a:r>
-                        <a:rPr lang="en-US" sz="2800" dirty="0" smtClean="0"/>
-                        <a:t>5</a:t>
-                      </a:r>
-                      <a:endParaRPr lang="en-US" sz="2800" dirty="0"/>
-                    </a:p>
-                  </a:txBody>
-                  <a:tcPr>
-                    <a:solidFill>
-                      <a:schemeClr val="bg2">
-                        <a:lumMod val="10000"/>
-                        <a:lumOff val="90000"/>
-                      </a:schemeClr>
-                    </a:solidFill>
-                  </a:tcPr>
-                </a:tc>
-                <a:tc>
-                  <a:txBody>
-                    <a:bodyPr/>
-                    <a:lstStyle/>
-                    <a:p>
-                      <a:pPr marL="0" marR="0" indent="0" algn="l" defTabSz="457200" rtl="0" eaLnBrk="1" fontAlgn="auto" latinLnBrk="0" hangingPunct="1">
-                        <a:lnSpc>
-                          <a:spcPct val="100000"/>
-                        </a:lnSpc>
-                        <a:spcBef>
-                          <a:spcPts val="0"/>
-                        </a:spcBef>
-                        <a:spcAft>
-                          <a:spcPts val="0"/>
-                        </a:spcAft>
-                        <a:buClrTx/>
-                        <a:buSzTx/>
-                        <a:buFontTx/>
-                        <a:buNone/>
-                        <a:tabLst/>
-                        <a:defRPr/>
-                      </a:pPr>
-                      <a:r>
-                        <a:rPr lang="en-US" sz="2800" dirty="0" smtClean="0"/>
-                        <a:t>List</a:t>
-                      </a:r>
-                      <a:r>
-                        <a:rPr lang="en-US" sz="2800" baseline="0" dirty="0" smtClean="0"/>
-                        <a:t> Views + Adapters</a:t>
-                      </a:r>
-                      <a:endParaRPr lang="en-US" sz="2800" dirty="0" smtClean="0"/>
-                    </a:p>
-                  </a:txBody>
-                  <a:tcPr>
-                    <a:solidFill>
-                      <a:schemeClr val="bg2">
-                        <a:lumMod val="10000"/>
-                        <a:lumOff val="90000"/>
-                      </a:schemeClr>
-                    </a:solidFill>
-                  </a:tcPr>
-                </a:tc>
+                <a:extLst>
+                  <a:ext uri="{0D108BD9-81ED-4DB2-BD59-A6C34878D82A}">
+                    <a16:rowId xmlns:a16="http://schemas.microsoft.com/office/drawing/2014/main" val="10005"/>
+                  </a:ext>
+                </a:extLst>
               </a:tr>
             </a:tbl>
           </a:graphicData>
@@ -4646,22 +4721,27 @@
       </p:graphicFrame>
       <p:graphicFrame>
         <p:nvGraphicFramePr>
-          <p:cNvPr id="8" name="Content Placeholder 7"/>
+          <p:cNvPr id="10" name="Content Placeholder 7">
+            <a:extLst>
+              <a:ext uri="{FF2B5EF4-FFF2-40B4-BE49-F238E27FC236}">
+                <a16:creationId xmlns:a16="http://schemas.microsoft.com/office/drawing/2014/main" id="{7CADE29C-884D-BD46-9005-8D39B01B1927}"/>
+              </a:ext>
+            </a:extLst>
+          </p:cNvPr>
           <p:cNvGraphicFramePr>
-            <a:graphicFrameLocks noGrp="1"/>
+            <a:graphicFrameLocks/>
           </p:cNvGraphicFramePr>
           <p:nvPr>
-            <p:ph sz="half" idx="2"/>
             <p:extLst>
               <p:ext uri="{D42A27DB-BD31-4B8C-83A1-F6EECF244321}">
-                <p14:modId xmlns:p14="http://schemas.microsoft.com/office/powerpoint/2010/main" val="342647097"/>
+                <p14:modId xmlns:p14="http://schemas.microsoft.com/office/powerpoint/2010/main" val="1240495103"/>
               </p:ext>
             </p:extLst>
           </p:nvPr>
         </p:nvGraphicFramePr>
         <p:xfrm>
-          <a:off x="4507872" y="2033752"/>
-          <a:ext cx="4297617" cy="4206799"/>
+          <a:off x="4471252" y="1600201"/>
+          <a:ext cx="4297617" cy="4682299"/>
         </p:xfrm>
         <a:graphic>
           <a:graphicData uri="http://schemas.openxmlformats.org/drawingml/2006/table">
@@ -4670,20 +4750,31 @@
                 <a:tableStyleId>{775DCB02-9BB8-47FD-8907-85C794F793BA}</a:tableStyleId>
               </a:tblPr>
               <a:tblGrid>
-                <a:gridCol w="608414"/>
-                <a:gridCol w="3689203"/>
+                <a:gridCol w="546664">
+                  <a:extLst>
+                    <a:ext uri="{9D8B030D-6E8A-4147-A177-3AD203B41FA5}">
+                      <a16:colId xmlns:a16="http://schemas.microsoft.com/office/drawing/2014/main" val="20000"/>
+                    </a:ext>
+                  </a:extLst>
+                </a:gridCol>
+                <a:gridCol w="3750953">
+                  <a:extLst>
+                    <a:ext uri="{9D8B030D-6E8A-4147-A177-3AD203B41FA5}">
+                      <a16:colId xmlns:a16="http://schemas.microsoft.com/office/drawing/2014/main" val="20001"/>
+                    </a:ext>
+                  </a:extLst>
+                </a:gridCol>
               </a:tblGrid>
-              <a:tr h="388067">
+              <a:tr h="346900">
                 <a:tc>
                   <a:txBody>
                     <a:bodyPr/>
                     <a:lstStyle/>
                     <a:p>
                       <a:r>
-                        <a:rPr lang="en-US" dirty="0" smtClean="0"/>
+                        <a:rPr lang="en-US" dirty="0"/>
                         <a:t>Wk</a:t>
                       </a:r>
-                      <a:endParaRPr lang="en-US" dirty="0"/>
                     </a:p>
                   </a:txBody>
                   <a:tcPr/>
@@ -4694,32 +4785,36 @@
                     <a:lstStyle/>
                     <a:p>
                       <a:r>
-                        <a:rPr lang="en-US" dirty="0" smtClean="0"/>
+                        <a:rPr lang="en-US" dirty="0"/>
                         <a:t>Topic</a:t>
                       </a:r>
-                      <a:endParaRPr lang="en-US" dirty="0"/>
                     </a:p>
                   </a:txBody>
                   <a:tcPr/>
                 </a:tc>
+                <a:extLst>
+                  <a:ext uri="{0D108BD9-81ED-4DB2-BD59-A6C34878D82A}">
+                    <a16:rowId xmlns:a16="http://schemas.microsoft.com/office/drawing/2014/main" val="10000"/>
+                  </a:ext>
+                </a:extLst>
               </a:tr>
-              <a:tr h="685728">
+              <a:tr h="675372">
                 <a:tc>
                   <a:txBody>
                     <a:bodyPr/>
                     <a:lstStyle/>
                     <a:p>
                       <a:r>
-                        <a:rPr lang="en-US" sz="2800" dirty="0" smtClean="0"/>
-                        <a:t>5</a:t>
+                        <a:rPr lang="en-US" sz="2800" dirty="0"/>
+                        <a:t>6</a:t>
                       </a:r>
-                      <a:endParaRPr lang="en-US" sz="2800" dirty="0"/>
                     </a:p>
                   </a:txBody>
                   <a:tcPr>
                     <a:solidFill>
-                      <a:schemeClr val="tx2">
-                        <a:lumMod val="90000"/>
+                      <a:schemeClr val="bg2">
+                        <a:lumMod val="50000"/>
+                        <a:lumOff val="50000"/>
                         <a:alpha val="40000"/>
                       </a:schemeClr>
                     </a:solidFill>
@@ -4748,35 +4843,12 @@
                         <a:defRPr/>
                       </a:pPr>
                       <a:r>
-                        <a:rPr lang="en-US" sz="2800" dirty="0" smtClean="0"/>
-                        <a:t>Layouts + </a:t>
+                        <a:rPr lang="en-US" sz="2800" dirty="0"/>
+                        <a:t>List</a:t>
                       </a:r>
                       <a:r>
-                        <a:rPr lang="en-US" sz="2800" baseline="0" dirty="0" smtClean="0"/>
-                        <a:t>orientation</a:t>
-                      </a:r>
-                      <a:endParaRPr lang="en-US" sz="2800" dirty="0" smtClean="0"/>
-                    </a:p>
-                  </a:txBody>
-                  <a:tcPr>
-                    <a:solidFill>
-                      <a:schemeClr val="tx2">
-                        <a:lumMod val="90000"/>
-                        <a:alpha val="40000"/>
-                      </a:schemeClr>
-                    </a:solidFill>
-                  </a:tcPr>
-                </a:tc>
-              </a:tr>
-              <a:tr h="1016083">
-                <a:tc>
-                  <a:txBody>
-                    <a:bodyPr/>
-                    <a:lstStyle/>
-                    <a:p>
-                      <a:r>
-                        <a:rPr lang="en-US" sz="2800" dirty="0" smtClean="0"/>
-                        <a:t>7</a:t>
+                        <a:rPr lang="en-US" sz="2800" baseline="0" dirty="0"/>
+                        <a:t> Views</a:t>
                       </a:r>
                       <a:endParaRPr lang="en-US" sz="2800" dirty="0"/>
                     </a:p>
@@ -4784,8 +4856,88 @@
                   <a:tcPr>
                     <a:solidFill>
                       <a:schemeClr val="bg2">
-                        <a:lumMod val="25000"/>
-                        <a:lumOff val="75000"/>
+                        <a:lumMod val="50000"/>
+                        <a:lumOff val="50000"/>
+                        <a:alpha val="40000"/>
+                      </a:schemeClr>
+                    </a:solidFill>
+                  </a:tcPr>
+                </a:tc>
+                <a:extLst>
+                  <a:ext uri="{0D108BD9-81ED-4DB2-BD59-A6C34878D82A}">
+                    <a16:rowId xmlns:a16="http://schemas.microsoft.com/office/drawing/2014/main" val="10001"/>
+                  </a:ext>
+                </a:extLst>
+              </a:tr>
+              <a:tr h="817706">
+                <a:tc>
+                  <a:txBody>
+                    <a:bodyPr/>
+                    <a:lstStyle/>
+                    <a:p>
+                      <a:r>
+                        <a:rPr lang="en-US" sz="2800" dirty="0"/>
+                        <a:t>7</a:t>
+                      </a:r>
+                    </a:p>
+                  </a:txBody>
+                  <a:tcPr>
+                    <a:noFill/>
+                  </a:tcPr>
+                </a:tc>
+                <a:tc>
+                  <a:txBody>
+                    <a:bodyPr/>
+                    <a:lstStyle/>
+                    <a:p>
+                      <a:pPr marL="0" marR="0" indent="0" algn="l" defTabSz="457200" rtl="0" eaLnBrk="1" fontAlgn="auto" latinLnBrk="0" hangingPunct="1">
+                        <a:lnSpc>
+                          <a:spcPct val="100000"/>
+                        </a:lnSpc>
+                        <a:spcBef>
+                          <a:spcPts val="0"/>
+                        </a:spcBef>
+                        <a:spcAft>
+                          <a:spcPts val="0"/>
+                        </a:spcAft>
+                        <a:buClrTx/>
+                        <a:buSzTx/>
+                        <a:buFontTx/>
+                        <a:buNone/>
+                        <a:tabLst/>
+                        <a:defRPr/>
+                      </a:pPr>
+                      <a:r>
+                        <a:rPr lang="en-US" sz="2800" dirty="0"/>
+                        <a:t>Managing data: SQLite</a:t>
+                      </a:r>
+                    </a:p>
+                  </a:txBody>
+                  <a:tcPr>
+                    <a:noFill/>
+                  </a:tcPr>
+                </a:tc>
+                <a:extLst>
+                  <a:ext uri="{0D108BD9-81ED-4DB2-BD59-A6C34878D82A}">
+                    <a16:rowId xmlns:a16="http://schemas.microsoft.com/office/drawing/2014/main" val="10002"/>
+                  </a:ext>
+                </a:extLst>
+              </a:tr>
+              <a:tr h="737182">
+                <a:tc>
+                  <a:txBody>
+                    <a:bodyPr/>
+                    <a:lstStyle/>
+                    <a:p>
+                      <a:r>
+                        <a:rPr lang="en-US" sz="2800" dirty="0"/>
+                        <a:t>8</a:t>
+                      </a:r>
+                    </a:p>
+                  </a:txBody>
+                  <a:tcPr>
+                    <a:solidFill>
+                      <a:schemeClr val="accent1">
                         <a:alpha val="40000"/>
                       </a:schemeClr>
                     </a:solidFill>
@@ -4814,44 +4966,38 @@
                         <a:defRPr/>
                       </a:pPr>
                       <a:r>
-                        <a:rPr lang="en-US" sz="2800" dirty="0" smtClean="0"/>
-                        <a:t>Adapting to size and orientation: fragments</a:t>
+                        <a:rPr lang="en-US" sz="2800" dirty="0"/>
+                        <a:t>Geolocation</a:t>
                       </a:r>
                     </a:p>
                   </a:txBody>
                   <a:tcPr>
                     <a:solidFill>
-                      <a:schemeClr val="bg2">
-                        <a:lumMod val="25000"/>
-                        <a:lumOff val="75000"/>
+                      <a:schemeClr val="accent1">
                         <a:alpha val="40000"/>
                       </a:schemeClr>
                     </a:solidFill>
                   </a:tcPr>
                 </a:tc>
+                <a:extLst>
+                  <a:ext uri="{0D108BD9-81ED-4DB2-BD59-A6C34878D82A}">
+                    <a16:rowId xmlns:a16="http://schemas.microsoft.com/office/drawing/2014/main" val="10003"/>
+                  </a:ext>
+                </a:extLst>
               </a:tr>
-              <a:tr h="557207">
+              <a:tr h="1175010">
                 <a:tc>
                   <a:txBody>
                     <a:bodyPr/>
                     <a:lstStyle/>
                     <a:p>
                       <a:r>
-                        <a:rPr lang="en-US" sz="2800" dirty="0" smtClean="0"/>
-                        <a:t>8</a:t>
+                        <a:rPr lang="en-US" sz="2800" dirty="0"/>
+                        <a:t>9</a:t>
                       </a:r>
-                      <a:endParaRPr lang="en-US" sz="2800" dirty="0"/>
                     </a:p>
                   </a:txBody>
-                  <a:tcPr>
-                    <a:solidFill>
-                      <a:schemeClr val="bg2">
-                        <a:lumMod val="10000"/>
-                        <a:lumOff val="90000"/>
-                        <a:alpha val="40000"/>
-                      </a:schemeClr>
-                    </a:solidFill>
-                  </a:tcPr>
+                  <a:tcPr/>
                 </a:tc>
                 <a:tc>
                   <a:txBody>
@@ -4876,44 +5022,40 @@
                         <a:defRPr/>
                       </a:pPr>
                       <a:r>
-                        <a:rPr lang="en-US" sz="2800" dirty="0" smtClean="0"/>
-                        <a:t>Managing data: SQLite</a:t>
+                        <a:rPr lang="en-US" sz="2800" dirty="0"/>
+                        <a:t>Publishing</a:t>
+                      </a:r>
+                      <a:r>
+                        <a:rPr lang="en-US" sz="2800" baseline="0" dirty="0"/>
+                        <a:t> to </a:t>
+                      </a:r>
+                      <a:r>
+                        <a:rPr lang="en-US" sz="2800" dirty="0"/>
+                        <a:t>an App Store</a:t>
                       </a:r>
                     </a:p>
                   </a:txBody>
-                  <a:tcPr>
-                    <a:solidFill>
-                      <a:schemeClr val="bg2">
-                        <a:lumMod val="10000"/>
-                        <a:lumOff val="90000"/>
-                        <a:alpha val="40000"/>
-                      </a:schemeClr>
-                    </a:solidFill>
-                  </a:tcPr>
+                  <a:tcPr/>
                 </a:tc>
+                <a:extLst>
+                  <a:ext uri="{0D108BD9-81ED-4DB2-BD59-A6C34878D82A}">
+                    <a16:rowId xmlns:a16="http://schemas.microsoft.com/office/drawing/2014/main" val="10004"/>
+                  </a:ext>
+                </a:extLst>
               </a:tr>
-              <a:tr h="1002507">
+              <a:tr h="911269">
                 <a:tc>
                   <a:txBody>
                     <a:bodyPr/>
                     <a:lstStyle/>
                     <a:p>
                       <a:r>
-                        <a:rPr lang="en-US" sz="2800" dirty="0" smtClean="0"/>
-                        <a:t>9</a:t>
+                        <a:rPr lang="en-US" sz="2800" dirty="0"/>
+                        <a:t>10</a:t>
                       </a:r>
-                      <a:endParaRPr lang="en-US" sz="2800" dirty="0"/>
                     </a:p>
                   </a:txBody>
-                  <a:tcPr>
-                    <a:solidFill>
-                      <a:schemeClr val="bg2">
-                        <a:lumMod val="25000"/>
-                        <a:lumOff val="75000"/>
-                        <a:alpha val="40000"/>
-                      </a:schemeClr>
-                    </a:solidFill>
-                  </a:tcPr>
+                  <a:tcPr/>
                 </a:tc>
                 <a:tc>
                   <a:txBody>
@@ -4938,79 +5080,18 @@
                         <a:defRPr/>
                       </a:pPr>
                       <a:r>
-                        <a:rPr lang="en-US" sz="2800" dirty="0" smtClean="0"/>
-                        <a:t>Consuming web services</a:t>
+                        <a:rPr lang="en-US" sz="2800" dirty="0"/>
+                        <a:t>Term Project</a:t>
                       </a:r>
                     </a:p>
                   </a:txBody>
-                  <a:tcPr>
-                    <a:solidFill>
-                      <a:schemeClr val="bg2">
-                        <a:lumMod val="25000"/>
-                        <a:lumOff val="75000"/>
-                        <a:alpha val="40000"/>
-                      </a:schemeClr>
-                    </a:solidFill>
-                  </a:tcPr>
+                  <a:tcPr/>
                 </a:tc>
-              </a:tr>
-              <a:tr h="557207">
-                <a:tc>
-                  <a:txBody>
-                    <a:bodyPr/>
-                    <a:lstStyle/>
-                    <a:p>
-                      <a:r>
-                        <a:rPr lang="en-US" sz="2800" dirty="0" smtClean="0"/>
-                        <a:t>10</a:t>
-                      </a:r>
-                      <a:endParaRPr lang="en-US" sz="2800" dirty="0"/>
-                    </a:p>
-                  </a:txBody>
-                  <a:tcPr>
-                    <a:solidFill>
-                      <a:srgbClr val="FFFF00">
-                        <a:alpha val="40000"/>
-                      </a:srgbClr>
-                    </a:solidFill>
-                  </a:tcPr>
-                </a:tc>
-                <a:tc>
-                  <a:txBody>
-                    <a:bodyPr/>
-                    <a:lstStyle/>
-                    <a:p>
-                      <a:pPr marL="0" marR="0" indent="0" algn="l" defTabSz="457200" rtl="0" eaLnBrk="1" fontAlgn="auto" latinLnBrk="0" hangingPunct="1">
-                        <a:lnSpc>
-                          <a:spcPct val="100000"/>
-                        </a:lnSpc>
-                        <a:spcBef>
-                          <a:spcPts val="0"/>
-                        </a:spcBef>
-                        <a:spcAft>
-                          <a:spcPts val="0"/>
-                        </a:spcAft>
-                        <a:buClrTx/>
-                        <a:buSzTx/>
-                        <a:buFontTx/>
-                        <a:buNone/>
-                        <a:tabLst/>
-                        <a:defRPr/>
-                      </a:pPr>
-                      <a:r>
-                        <a:rPr lang="en-US" sz="2800" dirty="0" smtClean="0"/>
-                        <a:t>Geolocation</a:t>
-                      </a:r>
-                    </a:p>
-                  </a:txBody>
-                  <a:tcPr>
-                    <a:solidFill>
-                      <a:srgbClr val="FFFF00">
-                        <a:alpha val="40000"/>
-                      </a:srgbClr>
-                    </a:solidFill>
-                  </a:tcPr>
-                </a:tc>
+                <a:extLst>
+                  <a:ext uri="{0D108BD9-81ED-4DB2-BD59-A6C34878D82A}">
+                    <a16:rowId xmlns:a16="http://schemas.microsoft.com/office/drawing/2014/main" val="10005"/>
+                  </a:ext>
+                </a:extLst>
               </a:tr>
             </a:tbl>
           </a:graphicData>
@@ -5026,13 +5107,6 @@
   <p:clrMapOvr>
     <a:masterClrMapping/>
   </p:clrMapOvr>
-  <p:timing>
-    <p:tnLst>
-      <p:par>
-        <p:cTn id="1" dur="indefinite" restart="never" nodeType="tmRoot"/>
-      </p:par>
-    </p:tnLst>
-  </p:timing>
 </p:sld>
 </file>
 
@@ -5069,10 +5143,9 @@
           <a:lstStyle/>
           <a:p>
             <a:r>
-              <a:rPr lang="en-US" dirty="0" smtClean="0"/>
+              <a:rPr lang="en-US" dirty="0"/>
               <a:t>Geolocation</a:t>
             </a:r>
-            <a:endParaRPr lang="en-US" dirty="0"/>
           </a:p>
         </p:txBody>
       </p:sp>
@@ -5141,10 +5214,9 @@
           <a:lstStyle/>
           <a:p>
             <a:r>
-              <a:rPr lang="en-US" dirty="0" smtClean="0"/>
+              <a:rPr lang="en-US" dirty="0"/>
               <a:t>Geolocation APIs</a:t>
             </a:r>
-            <a:endParaRPr lang="en-US" dirty="0"/>
           </a:p>
         </p:txBody>
       </p:sp>
@@ -5167,31 +5239,31 @@
               <a:buNone/>
             </a:pPr>
             <a:r>
-              <a:rPr lang="en-US" dirty="0" smtClean="0"/>
+              <a:rPr lang="en-US" dirty="0"/>
               <a:t>Information provided:</a:t>
             </a:r>
           </a:p>
           <a:p>
             <a:r>
-              <a:rPr lang="en-US" dirty="0" smtClean="0"/>
+              <a:rPr lang="en-US" dirty="0"/>
               <a:t>Latitude and longitude</a:t>
             </a:r>
           </a:p>
           <a:p>
             <a:r>
-              <a:rPr lang="en-US" dirty="0" smtClean="0"/>
+              <a:rPr lang="en-US" dirty="0"/>
               <a:t>Altitude</a:t>
             </a:r>
           </a:p>
           <a:p>
             <a:r>
-              <a:rPr lang="en-US" dirty="0" smtClean="0"/>
+              <a:rPr lang="en-US" dirty="0"/>
               <a:t>Speed</a:t>
             </a:r>
           </a:p>
           <a:p>
             <a:r>
-              <a:rPr lang="en-US" dirty="0" smtClean="0"/>
+              <a:rPr lang="en-US" dirty="0"/>
               <a:t>Heading</a:t>
             </a:r>
           </a:p>
@@ -5247,10 +5319,9 @@
           <a:lstStyle/>
           <a:p>
             <a:r>
-              <a:rPr lang="en-US" dirty="0" smtClean="0"/>
+              <a:rPr lang="en-US" dirty="0"/>
               <a:t>Location Data Sources</a:t>
             </a:r>
-            <a:endParaRPr lang="en-US" dirty="0"/>
           </a:p>
         </p:txBody>
       </p:sp>
@@ -5280,9 +5351,27 @@
                 <a:tableStyleId>{5C22544A-7EE6-4342-B048-85BDC9FD1C3A}</a:tableStyleId>
               </a:tblPr>
               <a:tblGrid>
-                <a:gridCol w="2743200"/>
-                <a:gridCol w="2743200"/>
-                <a:gridCol w="2743200"/>
+                <a:gridCol w="2743200">
+                  <a:extLst>
+                    <a:ext uri="{9D8B030D-6E8A-4147-A177-3AD203B41FA5}">
+                      <a16:colId xmlns:a16="http://schemas.microsoft.com/office/drawing/2014/main" val="20000"/>
+                    </a:ext>
+                  </a:extLst>
+                </a:gridCol>
+                <a:gridCol w="2743200">
+                  <a:extLst>
+                    <a:ext uri="{9D8B030D-6E8A-4147-A177-3AD203B41FA5}">
+                      <a16:colId xmlns:a16="http://schemas.microsoft.com/office/drawing/2014/main" val="20001"/>
+                    </a:ext>
+                  </a:extLst>
+                </a:gridCol>
+                <a:gridCol w="2743200">
+                  <a:extLst>
+                    <a:ext uri="{9D8B030D-6E8A-4147-A177-3AD203B41FA5}">
+                      <a16:colId xmlns:a16="http://schemas.microsoft.com/office/drawing/2014/main" val="20002"/>
+                    </a:ext>
+                  </a:extLst>
+                </a:gridCol>
               </a:tblGrid>
               <a:tr h="370840">
                 <a:tc>
@@ -5291,10 +5380,9 @@
                     <a:lstStyle/>
                     <a:p>
                       <a:r>
-                        <a:rPr lang="en-US" sz="2800" dirty="0" smtClean="0"/>
+                        <a:rPr lang="en-US" sz="2800" dirty="0"/>
                         <a:t>Source</a:t>
                       </a:r>
-                      <a:endParaRPr lang="en-US" sz="2800" dirty="0"/>
                     </a:p>
                   </a:txBody>
                   <a:tcPr/>
@@ -5305,10 +5393,9 @@
                     <a:lstStyle/>
                     <a:p>
                       <a:r>
-                        <a:rPr lang="en-US" sz="2800" dirty="0" smtClean="0"/>
+                        <a:rPr lang="en-US" sz="2800" dirty="0"/>
                         <a:t>Accuracy</a:t>
                       </a:r>
-                      <a:endParaRPr lang="en-US" sz="2800" dirty="0"/>
                     </a:p>
                   </a:txBody>
                   <a:tcPr/>
@@ -5319,11 +5406,11 @@
                     <a:lstStyle/>
                     <a:p>
                       <a:r>
-                        <a:rPr lang="en-US" sz="2800" dirty="0" smtClean="0"/>
+                        <a:rPr lang="en-US" sz="2800" dirty="0"/>
                         <a:t>Battery</a:t>
                       </a:r>
                       <a:r>
-                        <a:rPr lang="en-US" sz="2800" baseline="0" dirty="0" smtClean="0"/>
+                        <a:rPr lang="en-US" sz="2800" baseline="0" dirty="0"/>
                         <a:t> Drain</a:t>
                       </a:r>
                       <a:endParaRPr lang="en-US" sz="2800" dirty="0"/>
@@ -5331,6 +5418,11 @@
                   </a:txBody>
                   <a:tcPr/>
                 </a:tc>
+                <a:extLst>
+                  <a:ext uri="{0D108BD9-81ED-4DB2-BD59-A6C34878D82A}">
+                    <a16:rowId xmlns:a16="http://schemas.microsoft.com/office/drawing/2014/main" val="10000"/>
+                  </a:ext>
+                </a:extLst>
               </a:tr>
               <a:tr h="370840">
                 <a:tc>
@@ -5339,10 +5431,9 @@
                     <a:lstStyle/>
                     <a:p>
                       <a:r>
-                        <a:rPr lang="en-US" sz="2800" dirty="0" smtClean="0"/>
+                        <a:rPr lang="en-US" sz="2800" dirty="0"/>
                         <a:t>GPS</a:t>
                       </a:r>
-                      <a:endParaRPr lang="en-US" sz="2800" dirty="0"/>
                     </a:p>
                   </a:txBody>
                   <a:tcPr/>
@@ -5353,10 +5444,9 @@
                     <a:lstStyle/>
                     <a:p>
                       <a:r>
-                        <a:rPr lang="en-US" sz="2800" dirty="0" smtClean="0"/>
+                        <a:rPr lang="en-US" sz="2800" dirty="0"/>
                         <a:t>High</a:t>
                       </a:r>
-                      <a:endParaRPr lang="en-US" sz="2800" dirty="0"/>
                     </a:p>
                   </a:txBody>
                   <a:tcPr/>
@@ -5367,14 +5457,18 @@
                     <a:lstStyle/>
                     <a:p>
                       <a:r>
-                        <a:rPr lang="en-US" sz="2800" dirty="0" smtClean="0"/>
+                        <a:rPr lang="en-US" sz="2800" dirty="0"/>
                         <a:t>Highest</a:t>
                       </a:r>
-                      <a:endParaRPr lang="en-US" sz="2800" dirty="0"/>
                     </a:p>
                   </a:txBody>
                   <a:tcPr/>
                 </a:tc>
+                <a:extLst>
+                  <a:ext uri="{0D108BD9-81ED-4DB2-BD59-A6C34878D82A}">
+                    <a16:rowId xmlns:a16="http://schemas.microsoft.com/office/drawing/2014/main" val="10001"/>
+                  </a:ext>
+                </a:extLst>
               </a:tr>
               <a:tr h="370840">
                 <a:tc>
@@ -5383,11 +5477,11 @@
                     <a:lstStyle/>
                     <a:p>
                       <a:r>
-                        <a:rPr lang="en-US" sz="2800" dirty="0" smtClean="0"/>
+                        <a:rPr lang="en-US" sz="2800" dirty="0"/>
                         <a:t>Cellular</a:t>
                       </a:r>
                       <a:r>
-                        <a:rPr lang="en-US" sz="2800" baseline="0" dirty="0" smtClean="0"/>
+                        <a:rPr lang="en-US" sz="2800" baseline="0" dirty="0"/>
                         <a:t> Towers</a:t>
                       </a:r>
                       <a:endParaRPr lang="en-US" sz="2800" dirty="0"/>
@@ -5401,10 +5495,9 @@
                     <a:lstStyle/>
                     <a:p>
                       <a:r>
-                        <a:rPr lang="en-US" sz="2800" dirty="0" smtClean="0"/>
+                        <a:rPr lang="en-US" sz="2800" dirty="0"/>
                         <a:t>Medium</a:t>
                       </a:r>
-                      <a:endParaRPr lang="en-US" sz="2800" dirty="0"/>
                     </a:p>
                   </a:txBody>
                   <a:tcPr/>
@@ -5415,14 +5508,18 @@
                     <a:lstStyle/>
                     <a:p>
                       <a:r>
-                        <a:rPr lang="en-US" sz="2800" dirty="0" smtClean="0"/>
+                        <a:rPr lang="en-US" sz="2800" dirty="0"/>
                         <a:t>Lower</a:t>
                       </a:r>
-                      <a:endParaRPr lang="en-US" sz="2800" dirty="0"/>
                     </a:p>
                   </a:txBody>
                   <a:tcPr/>
                 </a:tc>
+                <a:extLst>
+                  <a:ext uri="{0D108BD9-81ED-4DB2-BD59-A6C34878D82A}">
+                    <a16:rowId xmlns:a16="http://schemas.microsoft.com/office/drawing/2014/main" val="10002"/>
+                  </a:ext>
+                </a:extLst>
               </a:tr>
               <a:tr h="370840">
                 <a:tc>
@@ -5431,10 +5528,9 @@
                     <a:lstStyle/>
                     <a:p>
                       <a:r>
-                        <a:rPr lang="en-US" sz="2800" dirty="0" smtClean="0"/>
+                        <a:rPr lang="en-US" sz="2800" dirty="0"/>
                         <a:t>Wi-Fi</a:t>
                       </a:r>
-                      <a:endParaRPr lang="en-US" sz="2800" dirty="0"/>
                     </a:p>
                   </a:txBody>
                   <a:tcPr/>
@@ -5445,18 +5541,17 @@
                     <a:lstStyle/>
                     <a:p>
                       <a:r>
-                        <a:rPr lang="en-US" sz="2800" dirty="0" smtClean="0"/>
+                        <a:rPr lang="en-US" sz="2800" dirty="0"/>
                         <a:t>Variable: medium to</a:t>
                       </a:r>
                       <a:r>
-                        <a:rPr lang="en-US" sz="2800" baseline="0" dirty="0" smtClean="0"/>
+                        <a:rPr lang="en-US" sz="2800" baseline="0" dirty="0"/>
                         <a:t> l</a:t>
                       </a:r>
                       <a:r>
-                        <a:rPr lang="en-US" sz="2800" dirty="0" smtClean="0"/>
+                        <a:rPr lang="en-US" sz="2800" dirty="0"/>
                         <a:t>ow</a:t>
                       </a:r>
-                      <a:endParaRPr lang="en-US" sz="2800" dirty="0"/>
                     </a:p>
                   </a:txBody>
                   <a:tcPr/>
@@ -5467,14 +5562,18 @@
                     <a:lstStyle/>
                     <a:p>
                       <a:r>
-                        <a:rPr lang="en-US" sz="2800" dirty="0" smtClean="0"/>
+                        <a:rPr lang="en-US" sz="2800" dirty="0"/>
                         <a:t>Lower</a:t>
                       </a:r>
-                      <a:endParaRPr lang="en-US" sz="2800" dirty="0"/>
                     </a:p>
                   </a:txBody>
                   <a:tcPr/>
                 </a:tc>
+                <a:extLst>
+                  <a:ext uri="{0D108BD9-81ED-4DB2-BD59-A6C34878D82A}">
+                    <a16:rowId xmlns:a16="http://schemas.microsoft.com/office/drawing/2014/main" val="10003"/>
+                  </a:ext>
+                </a:extLst>
               </a:tr>
             </a:tbl>
           </a:graphicData>
@@ -5526,10 +5625,9 @@
           <a:lstStyle/>
           <a:p>
             <a:r>
-              <a:rPr lang="en-US" dirty="0" smtClean="0"/>
+              <a:rPr lang="en-US" dirty="0"/>
               <a:t>Choice of APIs</a:t>
             </a:r>
-            <a:endParaRPr lang="en-US" dirty="0"/>
           </a:p>
         </p:txBody>
       </p:sp>
@@ -5551,81 +5649,56 @@
           <a:lstStyle/>
           <a:p>
             <a:r>
-              <a:rPr lang="en-US" dirty="0" smtClean="0"/>
-              <a:t>Android </a:t>
-            </a:r>
-            <a:r>
               <a:rPr lang="en-US" dirty="0"/>
-              <a:t>Location Services </a:t>
-            </a:r>
-            <a:r>
-              <a:rPr lang="en-US" dirty="0" smtClean="0"/>
-              <a:t>API</a:t>
+              <a:t>Android Location Services API</a:t>
             </a:r>
           </a:p>
           <a:p>
             <a:pPr lvl="1"/>
             <a:r>
-              <a:rPr lang="en-US" dirty="0" smtClean="0"/>
+              <a:rPr lang="en-US" dirty="0"/>
               <a:t>Lets you choose between: GPS, Cellular, Wi-Fi</a:t>
             </a:r>
           </a:p>
           <a:p>
             <a:pPr lvl="1"/>
             <a:r>
-              <a:rPr lang="en-US" dirty="0" smtClean="0"/>
+              <a:rPr lang="en-US" dirty="0"/>
               <a:t>No longer recommended by Google</a:t>
             </a:r>
           </a:p>
           <a:p>
             <a:r>
-              <a:rPr lang="en-US" dirty="0" smtClean="0"/>
-              <a:t> Fused </a:t>
-            </a:r>
-            <a:r>
               <a:rPr lang="en-US" dirty="0"/>
-              <a:t>Location </a:t>
-            </a:r>
-            <a:r>
-              <a:rPr lang="en-US" dirty="0" smtClean="0"/>
-              <a:t>Provider</a:t>
+              <a:t> Fused Location Provider</a:t>
             </a:r>
           </a:p>
           <a:p>
             <a:pPr lvl="1"/>
             <a:r>
-              <a:rPr lang="en-US" dirty="0" smtClean="0"/>
+              <a:rPr lang="en-US" dirty="0"/>
               <a:t>Dynamically chooses the best location provider</a:t>
             </a:r>
           </a:p>
           <a:p>
             <a:pPr lvl="1"/>
             <a:r>
-              <a:rPr lang="en-US" dirty="0" smtClean="0"/>
+              <a:rPr lang="en-US" dirty="0"/>
               <a:t>Preferred by Google, requires Google Play Services</a:t>
             </a:r>
           </a:p>
           <a:p>
             <a:r>
-              <a:rPr lang="en-US" dirty="0" smtClean="0"/>
-              <a:t> Xamarin </a:t>
-            </a:r>
-            <a:r>
               <a:rPr lang="en-US" dirty="0"/>
-              <a:t>Geolocator </a:t>
-            </a:r>
-            <a:r>
-              <a:rPr lang="en-US" dirty="0" smtClean="0"/>
-              <a:t>Plugin</a:t>
+              <a:t> Xamarin Geolocator Plugin</a:t>
             </a:r>
           </a:p>
           <a:p>
             <a:pPr lvl="1"/>
             <a:r>
-              <a:rPr lang="en-US" dirty="0" smtClean="0"/>
+              <a:rPr lang="en-US" dirty="0"/>
               <a:t>Cross-platform: Android, iOS, Windows</a:t>
             </a:r>
-            <a:endParaRPr lang="en-US" dirty="0"/>
           </a:p>
         </p:txBody>
       </p:sp>
@@ -5680,10 +5753,9 @@
           <a:lstStyle/>
           <a:p>
             <a:r>
-              <a:rPr lang="en-US" dirty="0" smtClean="0"/>
+              <a:rPr lang="en-US" dirty="0"/>
               <a:t>Fused Location Provider</a:t>
             </a:r>
-            <a:endParaRPr lang="en-US" dirty="0"/>
           </a:p>
         </p:txBody>
       </p:sp>
@@ -5710,43 +5782,41 @@
           <a:lstStyle/>
           <a:p>
             <a:r>
-              <a:rPr lang="en-US" dirty="0" smtClean="0"/>
+              <a:rPr lang="en-US" dirty="0"/>
               <a:t>Balanced power/accuracy</a:t>
             </a:r>
           </a:p>
           <a:p>
             <a:pPr lvl="1"/>
             <a:r>
-              <a:rPr lang="en-US" dirty="0" smtClean="0"/>
+              <a:rPr lang="en-US" dirty="0"/>
               <a:t> ~100 m accuracy</a:t>
             </a:r>
-            <a:endParaRPr lang="en-US" dirty="0"/>
           </a:p>
           <a:p>
             <a:pPr lvl="1"/>
             <a:r>
-              <a:rPr lang="en-US" dirty="0" smtClean="0"/>
+              <a:rPr lang="en-US" dirty="0"/>
               <a:t>medium power draw</a:t>
             </a:r>
           </a:p>
           <a:p>
             <a:r>
-              <a:rPr lang="en-US" dirty="0" smtClean="0"/>
+              <a:rPr lang="en-US" dirty="0"/>
               <a:t>High accuracy</a:t>
             </a:r>
-            <a:endParaRPr lang="en-US" dirty="0"/>
           </a:p>
           <a:p>
             <a:pPr lvl="1"/>
             <a:r>
-              <a:rPr lang="en-US" dirty="0" smtClean="0"/>
+              <a:rPr lang="en-US" dirty="0"/>
               <a:t>~5 meter accuracy</a:t>
             </a:r>
           </a:p>
           <a:p>
             <a:pPr lvl="1"/>
             <a:r>
-              <a:rPr lang="en-US" dirty="0" smtClean="0"/>
+              <a:rPr lang="en-US" dirty="0"/>
               <a:t>highest power draw</a:t>
             </a:r>
           </a:p>
@@ -5933,34 +6003,34 @@
           </a:lstStyle>
           <a:p>
             <a:r>
-              <a:rPr lang="en-US" dirty="0" smtClean="0"/>
+              <a:rPr lang="en-US" dirty="0"/>
               <a:t>Low power</a:t>
             </a:r>
           </a:p>
           <a:p>
             <a:pPr lvl="1"/>
             <a:r>
-              <a:rPr lang="en-US" dirty="0" smtClean="0"/>
+              <a:rPr lang="en-US" dirty="0"/>
               <a:t>~10km accuracy</a:t>
             </a:r>
           </a:p>
           <a:p>
             <a:pPr lvl="1"/>
             <a:r>
-              <a:rPr lang="en-US" dirty="0" smtClean="0"/>
+              <a:rPr lang="en-US" dirty="0"/>
               <a:t>minimum power draw</a:t>
             </a:r>
           </a:p>
           <a:p>
             <a:r>
-              <a:rPr lang="en-US" dirty="0" smtClean="0"/>
+              <a:rPr lang="en-US" dirty="0"/>
               <a:t>No power</a:t>
             </a:r>
           </a:p>
           <a:p>
             <a:pPr lvl="1"/>
             <a:r>
-              <a:rPr lang="en-US" dirty="0" smtClean="0"/>
+              <a:rPr lang="en-US" dirty="0"/>
               <a:t>uses location data requested by other apps</a:t>
             </a:r>
           </a:p>
@@ -5997,13 +6067,8 @@
           <a:p>
             <a:r>
               <a:rPr lang="en-US" sz="2800" dirty="0"/>
-              <a:t>L</a:t>
-            </a:r>
-            <a:r>
-              <a:rPr lang="en-US" sz="2800" dirty="0" smtClean="0"/>
-              <a:t>ocation sources are selected based on priorities:</a:t>
-            </a:r>
-            <a:endParaRPr lang="en-US" sz="2800" dirty="0"/>
+              <a:t>Location sources are selected based on priorities:</a:t>
+            </a:r>
           </a:p>
         </p:txBody>
       </p:sp>
@@ -6053,10 +6118,9 @@
           <a:lstStyle/>
           <a:p>
             <a:r>
-              <a:rPr lang="en-US" dirty="0" smtClean="0"/>
+              <a:rPr lang="en-US" dirty="0"/>
               <a:t>Fused Location Provider</a:t>
             </a:r>
-            <a:endParaRPr lang="en-US" dirty="0"/>
           </a:p>
         </p:txBody>
       </p:sp>
@@ -6078,39 +6142,39 @@
           <a:lstStyle/>
           <a:p>
             <a:r>
-              <a:rPr lang="en-US" dirty="0" smtClean="0"/>
+              <a:rPr lang="en-US" dirty="0"/>
               <a:t>Gets the best available provider</a:t>
             </a:r>
           </a:p>
           <a:p>
             <a:r>
-              <a:rPr lang="en-US" dirty="0" smtClean="0"/>
+              <a:rPr lang="en-US" dirty="0"/>
               <a:t>Provides last known location (usually current)</a:t>
             </a:r>
           </a:p>
           <a:p>
             <a:r>
-              <a:rPr lang="en-US" dirty="0" smtClean="0"/>
+              <a:rPr lang="en-US" dirty="0"/>
               <a:t>Provides continuous location updates</a:t>
             </a:r>
           </a:p>
           <a:p>
             <a:r>
-              <a:rPr lang="en-US" dirty="0" smtClean="0"/>
+              <a:rPr lang="en-US" dirty="0"/>
               <a:t> Location client</a:t>
             </a:r>
           </a:p>
           <a:p>
             <a:pPr lvl="1"/>
             <a:r>
-              <a:rPr lang="en-US" dirty="0" smtClean="0"/>
+              <a:rPr lang="en-US" dirty="0"/>
               <a:t>Connects to Google Play Services</a:t>
             </a:r>
           </a:p>
           <a:p>
             <a:pPr lvl="1"/>
             <a:r>
-              <a:rPr lang="en-US" dirty="0" smtClean="0"/>
+              <a:rPr lang="en-US" dirty="0"/>
               <a:t>Developer needs to implement interfaces for callbacks</a:t>
             </a:r>
           </a:p>
@@ -6166,10 +6230,9 @@
           <a:lstStyle/>
           <a:p>
             <a:r>
-              <a:rPr lang="en-US" dirty="0" smtClean="0"/>
+              <a:rPr lang="en-US" dirty="0"/>
               <a:t>Related APIs</a:t>
             </a:r>
-            <a:endParaRPr lang="en-US" dirty="0"/>
           </a:p>
         </p:txBody>
       </p:sp>
@@ -6191,44 +6254,43 @@
           <a:lstStyle/>
           <a:p>
             <a:r>
-              <a:rPr lang="en-US" dirty="0" smtClean="0"/>
+              <a:rPr lang="en-US" dirty="0"/>
               <a:t>Geocoder</a:t>
             </a:r>
           </a:p>
           <a:p>
             <a:pPr lvl="1"/>
             <a:r>
-              <a:rPr lang="en-US" dirty="0" smtClean="0"/>
+              <a:rPr lang="en-US" dirty="0"/>
               <a:t>Get address from latitude and longitude</a:t>
             </a:r>
           </a:p>
           <a:p>
             <a:pPr lvl="1"/>
             <a:r>
-              <a:rPr lang="en-US" dirty="0" smtClean="0"/>
+              <a:rPr lang="en-US" dirty="0"/>
               <a:t>Get latitude and longitude from address</a:t>
             </a:r>
           </a:p>
           <a:p>
             <a:r>
-              <a:rPr lang="en-US" dirty="0" smtClean="0"/>
+              <a:rPr lang="en-US" dirty="0"/>
               <a:t>Geofencing</a:t>
             </a:r>
           </a:p>
           <a:p>
             <a:pPr lvl="1"/>
             <a:r>
-              <a:rPr lang="en-US" dirty="0" smtClean="0"/>
+              <a:rPr lang="en-US" dirty="0"/>
               <a:t>Monitor distance from a point of interest</a:t>
             </a:r>
           </a:p>
           <a:p>
             <a:pPr lvl="1"/>
             <a:r>
-              <a:rPr lang="en-US" dirty="0" smtClean="0"/>
+              <a:rPr lang="en-US" dirty="0"/>
               <a:t>Get notifications when entering or leaving area of interest</a:t>
             </a:r>
-            <a:endParaRPr lang="en-US" dirty="0"/>
           </a:p>
         </p:txBody>
       </p:sp>

--- a/Slides/Wk9Day1-GeolocationOverview.pptx
+++ b/Slides/Wk9Day1-GeolocationOverview.pptx
@@ -5,7 +5,7 @@
     <p:sldMasterId id="2147483797" r:id="rId1"/>
   </p:sldMasterIdLst>
   <p:notesMasterIdLst>
-    <p:notesMasterId r:id="rId11"/>
+    <p:notesMasterId r:id="rId13"/>
   </p:notesMasterIdLst>
   <p:sldIdLst>
     <p:sldId id="256" r:id="rId2"/>
@@ -17,6 +17,8 @@
     <p:sldId id="277" r:id="rId8"/>
     <p:sldId id="275" r:id="rId9"/>
     <p:sldId id="276" r:id="rId10"/>
+    <p:sldId id="278" r:id="rId11"/>
+    <p:sldId id="279" r:id="rId12"/>
   </p:sldIdLst>
   <p:sldSz cx="9144000" cy="6858000" type="screen4x3"/>
   <p:notesSz cx="6858000" cy="9144000"/>
@@ -129,6 +131,8 @@
             <p14:sldId id="277"/>
             <p14:sldId id="275"/>
             <p14:sldId id="276"/>
+            <p14:sldId id="278"/>
+            <p14:sldId id="279"/>
           </p14:sldIdLst>
         </p14:section>
         <p14:section name="Untitled Section" id="{40D5F567-697D-144C-AE61-72CA3F64225C}">
@@ -236,7 +240,7 @@
           <a:p>
             <a:fld id="{59B6F58A-1DC9-9140-A6F1-5CAF629CE03F}" type="datetimeFigureOut">
               <a:rPr lang="en-US" smtClean="0"/>
-              <a:t>2/26/18</a:t>
+              <a:t>7/18/18</a:t>
             </a:fld>
             <a:endParaRPr lang="en-US"/>
           </a:p>
@@ -1293,7 +1297,7 @@
           <a:p>
             <a:fld id="{7CE38E4D-051A-41E1-86A4-E56916468FD0}" type="datetimeFigureOut">
               <a:rPr lang="en-US" smtClean="0"/>
-              <a:t>2/26/18</a:t>
+              <a:t>7/18/18</a:t>
             </a:fld>
             <a:endParaRPr lang="en-US"/>
           </a:p>
@@ -1456,7 +1460,7 @@
           <a:p>
             <a:fld id="{7CE38E4D-051A-41E1-86A4-E56916468FD0}" type="datetimeFigureOut">
               <a:rPr lang="en-US" smtClean="0"/>
-              <a:t>2/26/18</a:t>
+              <a:t>7/18/18</a:t>
             </a:fld>
             <a:endParaRPr lang="en-US"/>
           </a:p>
@@ -1631,7 +1635,7 @@
           <a:p>
             <a:fld id="{7CE38E4D-051A-41E1-86A4-E56916468FD0}" type="datetimeFigureOut">
               <a:rPr lang="en-US" smtClean="0"/>
-              <a:t>2/26/18</a:t>
+              <a:t>7/18/18</a:t>
             </a:fld>
             <a:endParaRPr lang="en-US"/>
           </a:p>
@@ -1796,7 +1800,7 @@
           <a:p>
             <a:fld id="{7CE38E4D-051A-41E1-86A4-E56916468FD0}" type="datetimeFigureOut">
               <a:rPr lang="en-US" smtClean="0"/>
-              <a:t>2/26/18</a:t>
+              <a:t>7/18/18</a:t>
             </a:fld>
             <a:endParaRPr lang="en-US"/>
           </a:p>
@@ -2035,7 +2039,7 @@
           <a:p>
             <a:fld id="{7CE38E4D-051A-41E1-86A4-E56916468FD0}" type="datetimeFigureOut">
               <a:rPr lang="en-US" smtClean="0"/>
-              <a:t>2/26/18</a:t>
+              <a:t>7/18/18</a:t>
             </a:fld>
             <a:endParaRPr lang="en-US"/>
           </a:p>
@@ -2315,7 +2319,7 @@
           <a:p>
             <a:fld id="{7CE38E4D-051A-41E1-86A4-E56916468FD0}" type="datetimeFigureOut">
               <a:rPr lang="en-US" smtClean="0"/>
-              <a:t>2/26/18</a:t>
+              <a:t>7/18/18</a:t>
             </a:fld>
             <a:endParaRPr lang="en-US"/>
           </a:p>
@@ -2730,7 +2734,7 @@
           <a:p>
             <a:fld id="{7CE38E4D-051A-41E1-86A4-E56916468FD0}" type="datetimeFigureOut">
               <a:rPr lang="en-US" smtClean="0"/>
-              <a:t>2/26/18</a:t>
+              <a:t>7/18/18</a:t>
             </a:fld>
             <a:endParaRPr lang="en-US"/>
           </a:p>
@@ -2842,7 +2846,7 @@
           <a:p>
             <a:fld id="{7CE38E4D-051A-41E1-86A4-E56916468FD0}" type="datetimeFigureOut">
               <a:rPr lang="en-US" smtClean="0"/>
-              <a:t>2/26/18</a:t>
+              <a:t>7/18/18</a:t>
             </a:fld>
             <a:endParaRPr lang="en-US"/>
           </a:p>
@@ -2932,7 +2936,7 @@
           <a:p>
             <a:fld id="{7CE38E4D-051A-41E1-86A4-E56916468FD0}" type="datetimeFigureOut">
               <a:rPr lang="en-US" smtClean="0"/>
-              <a:t>2/26/18</a:t>
+              <a:t>7/18/18</a:t>
             </a:fld>
             <a:endParaRPr lang="en-US"/>
           </a:p>
@@ -3210,7 +3214,7 @@
           <a:p>
             <a:fld id="{7CE38E4D-051A-41E1-86A4-E56916468FD0}" type="datetimeFigureOut">
               <a:rPr lang="en-US" smtClean="0"/>
-              <a:t>2/26/18</a:t>
+              <a:t>7/18/18</a:t>
             </a:fld>
             <a:endParaRPr lang="en-US"/>
           </a:p>
@@ -3468,7 +3472,7 @@
           <a:p>
             <a:fld id="{7CE38E4D-051A-41E1-86A4-E56916468FD0}" type="datetimeFigureOut">
               <a:rPr lang="en-US" smtClean="0"/>
-              <a:t>2/26/18</a:t>
+              <a:t>7/18/18</a:t>
             </a:fld>
             <a:endParaRPr lang="en-US"/>
           </a:p>
@@ -3676,7 +3680,7 @@
           <a:p>
             <a:fld id="{7CE38E4D-051A-41E1-86A4-E56916468FD0}" type="datetimeFigureOut">
               <a:rPr lang="en-US" smtClean="0"/>
-              <a:t>2/26/18</a:t>
+              <a:t>7/18/18</a:t>
             </a:fld>
             <a:endParaRPr lang="en-US"/>
           </a:p>
@@ -4234,6 +4238,212 @@
     <p:extLst>
       <p:ext uri="{BB962C8B-B14F-4D97-AF65-F5344CB8AC3E}">
         <p14:creationId xmlns:p14="http://schemas.microsoft.com/office/powerpoint/2010/main" val="2429706375"/>
+      </p:ext>
+    </p:extLst>
+  </p:cSld>
+  <p:clrMapOvr>
+    <a:masterClrMapping/>
+  </p:clrMapOvr>
+</p:sld>
+</file>
+
+<file path=ppt/slides/slide10.xml><?xml version="1.0" encoding="utf-8"?>
+<p:sld xmlns:a="http://schemas.openxmlformats.org/drawingml/2006/main" xmlns:r="http://schemas.openxmlformats.org/officeDocument/2006/relationships" xmlns:p="http://schemas.openxmlformats.org/presentationml/2006/main">
+  <p:cSld>
+    <p:bg>
+      <p:bgPr>
+        <a:gradFill rotWithShape="1">
+          <a:gsLst>
+            <a:gs pos="86000">
+              <a:schemeClr val="bg1">
+                <a:lumMod val="75000"/>
+                <a:lumOff val="25000"/>
+              </a:schemeClr>
+            </a:gs>
+            <a:gs pos="0">
+              <a:schemeClr val="tx1">
+                <a:lumMod val="85000"/>
+              </a:schemeClr>
+            </a:gs>
+          </a:gsLst>
+          <a:lin ang="5400000" scaled="0"/>
+        </a:gradFill>
+        <a:effectLst/>
+      </p:bgPr>
+    </p:bg>
+    <p:spTree>
+      <p:nvGrpSpPr>
+        <p:cNvPr id="1" name=""/>
+        <p:cNvGrpSpPr/>
+        <p:nvPr/>
+      </p:nvGrpSpPr>
+      <p:grpSpPr>
+        <a:xfrm>
+          <a:off x="0" y="0"/>
+          <a:ext cx="0" cy="0"/>
+          <a:chOff x="0" y="0"/>
+          <a:chExt cx="0" cy="0"/>
+        </a:xfrm>
+      </p:grpSpPr>
+      <p:sp>
+        <p:nvSpPr>
+          <p:cNvPr id="2" name="Title 1">
+            <a:extLst>
+              <a:ext uri="{FF2B5EF4-FFF2-40B4-BE49-F238E27FC236}">
+                <a16:creationId xmlns:a16="http://schemas.microsoft.com/office/drawing/2014/main" id="{E40E19BE-DE32-9043-9603-4CB3A7122176}"/>
+              </a:ext>
+            </a:extLst>
+          </p:cNvPr>
+          <p:cNvSpPr>
+            <a:spLocks noGrp="1"/>
+          </p:cNvSpPr>
+          <p:nvPr>
+            <p:ph type="title"/>
+          </p:nvPr>
+        </p:nvSpPr>
+        <p:spPr/>
+        <p:txBody>
+          <a:bodyPr/>
+          <a:lstStyle/>
+          <a:p>
+            <a:r>
+              <a:rPr lang="en-US" dirty="0">
+                <a:solidFill>
+                  <a:schemeClr val="accent4">
+                    <a:lumMod val="75000"/>
+                  </a:schemeClr>
+                </a:solidFill>
+              </a:rPr>
+              <a:t>Testing on an Emulator</a:t>
+            </a:r>
+          </a:p>
+        </p:txBody>
+      </p:sp>
+      <p:sp>
+        <p:nvSpPr>
+          <p:cNvPr id="3" name="Content Placeholder 2">
+            <a:extLst>
+              <a:ext uri="{FF2B5EF4-FFF2-40B4-BE49-F238E27FC236}">
+                <a16:creationId xmlns:a16="http://schemas.microsoft.com/office/drawing/2014/main" id="{F5320E13-07D9-BD49-9692-8ED1E34F9BE5}"/>
+              </a:ext>
+            </a:extLst>
+          </p:cNvPr>
+          <p:cNvSpPr>
+            <a:spLocks noGrp="1"/>
+          </p:cNvSpPr>
+          <p:nvPr>
+            <p:ph idx="1"/>
+          </p:nvPr>
+        </p:nvSpPr>
+        <p:spPr/>
+        <p:txBody>
+          <a:bodyPr/>
+          <a:lstStyle/>
+          <a:p>
+            <a:endParaRPr lang="en-US" dirty="0"/>
+          </a:p>
+        </p:txBody>
+      </p:sp>
+    </p:spTree>
+    <p:extLst>
+      <p:ext uri="{BB962C8B-B14F-4D97-AF65-F5344CB8AC3E}">
+        <p14:creationId xmlns:p14="http://schemas.microsoft.com/office/powerpoint/2010/main" val="4074466235"/>
+      </p:ext>
+    </p:extLst>
+  </p:cSld>
+  <p:clrMapOvr>
+    <a:masterClrMapping/>
+  </p:clrMapOvr>
+</p:sld>
+</file>
+
+<file path=ppt/slides/slide11.xml><?xml version="1.0" encoding="utf-8"?>
+<p:sld xmlns:a="http://schemas.openxmlformats.org/drawingml/2006/main" xmlns:r="http://schemas.openxmlformats.org/officeDocument/2006/relationships" xmlns:p="http://schemas.openxmlformats.org/presentationml/2006/main">
+  <p:cSld>
+    <p:spTree>
+      <p:nvGrpSpPr>
+        <p:cNvPr id="1" name=""/>
+        <p:cNvGrpSpPr/>
+        <p:nvPr/>
+      </p:nvGrpSpPr>
+      <p:grpSpPr>
+        <a:xfrm>
+          <a:off x="0" y="0"/>
+          <a:ext cx="0" cy="0"/>
+          <a:chOff x="0" y="0"/>
+          <a:chExt cx="0" cy="0"/>
+        </a:xfrm>
+      </p:grpSpPr>
+      <p:sp>
+        <p:nvSpPr>
+          <p:cNvPr id="2" name="Title 1"/>
+          <p:cNvSpPr>
+            <a:spLocks noGrp="1"/>
+          </p:cNvSpPr>
+          <p:nvPr>
+            <p:ph type="title"/>
+          </p:nvPr>
+        </p:nvSpPr>
+        <p:spPr/>
+        <p:txBody>
+          <a:bodyPr/>
+          <a:lstStyle/>
+          <a:p>
+            <a:r>
+              <a:rPr lang="en-US" dirty="0"/>
+              <a:t>Simulating Location</a:t>
+            </a:r>
+          </a:p>
+        </p:txBody>
+      </p:sp>
+      <p:sp>
+        <p:nvSpPr>
+          <p:cNvPr id="3" name="Content Placeholder 2"/>
+          <p:cNvSpPr>
+            <a:spLocks noGrp="1"/>
+          </p:cNvSpPr>
+          <p:nvPr>
+            <p:ph idx="1"/>
+          </p:nvPr>
+        </p:nvSpPr>
+        <p:spPr/>
+        <p:txBody>
+          <a:bodyPr>
+            <a:normAutofit/>
+          </a:bodyPr>
+          <a:lstStyle/>
+          <a:p>
+            <a:r>
+              <a:rPr lang="en-US" dirty="0"/>
+              <a:t> Android Location Services API</a:t>
+            </a:r>
+          </a:p>
+          <a:p>
+            <a:pPr lvl="1"/>
+            <a:r>
+              <a:rPr lang="en-US" dirty="0"/>
+              <a:t>The Google Emulator Control panel lets you send mock location points to the emulator. </a:t>
+            </a:r>
+          </a:p>
+          <a:p>
+            <a:r>
+              <a:rPr lang="en-US" dirty="0"/>
+              <a:t>Fused Location Provider</a:t>
+            </a:r>
+          </a:p>
+          <a:p>
+            <a:pPr lvl="1"/>
+            <a:r>
+              <a:rPr lang="en-US" dirty="0"/>
+              <a:t>You have to publish mock locations programmatically.</a:t>
+            </a:r>
+          </a:p>
+        </p:txBody>
+      </p:sp>
+    </p:spTree>
+    <p:extLst>
+      <p:ext uri="{BB962C8B-B14F-4D97-AF65-F5344CB8AC3E}">
+        <p14:creationId xmlns:p14="http://schemas.microsoft.com/office/powerpoint/2010/main" val="3205566467"/>
       </p:ext>
     </p:extLst>
   </p:cSld>
@@ -5644,7 +5854,7 @@
         <p:spPr/>
         <p:txBody>
           <a:bodyPr>
-            <a:normAutofit fontScale="77500" lnSpcReduction="20000"/>
+            <a:normAutofit fontScale="92500" lnSpcReduction="20000"/>
           </a:bodyPr>
           <a:lstStyle/>
           <a:p>
@@ -5686,19 +5896,18 @@
               <a:rPr lang="en-US" dirty="0"/>
               <a:t>Preferred by Google, requires Google Play Services</a:t>
             </a:r>
-          </a:p>
-          <a:p>
-            <a:r>
+            <a:br>
               <a:rPr lang="en-US" dirty="0"/>
-              <a:t> Xamarin Geolocator Plugin</a:t>
-            </a:r>
-          </a:p>
-          <a:p>
-            <a:pPr lvl="1"/>
+            </a:br>
             <a:r>
               <a:rPr lang="en-US" dirty="0"/>
-              <a:t>Cross-platform: Android, iOS, Windows</a:t>
-            </a:r>
+              <a:t>(Covered in separate </a:t>
+            </a:r>
+            <a:r>
+              <a:rPr lang="en-US"/>
+              <a:t>PPT slides)</a:t>
+            </a:r>
+            <a:endParaRPr lang="en-US" dirty="0"/>
           </a:p>
         </p:txBody>
       </p:sp>
